--- a/学习-思维导图-合并-图.pptx
+++ b/学习-思维导图-合并-图.pptx
@@ -4,11 +4,21 @@
   <p:sldMasterIdLst>
     <p:sldMasterId id="2147483648" r:id="rId1"/>
   </p:sldMasterIdLst>
+  <p:notesMasterIdLst>
+    <p:notesMasterId r:id="rId13"/>
+  </p:notesMasterIdLst>
   <p:sldIdLst>
     <p:sldId id="256" r:id="rId2"/>
     <p:sldId id="257" r:id="rId3"/>
     <p:sldId id="258" r:id="rId4"/>
     <p:sldId id="259" r:id="rId5"/>
+    <p:sldId id="260" r:id="rId6"/>
+    <p:sldId id="261" r:id="rId7"/>
+    <p:sldId id="262" r:id="rId8"/>
+    <p:sldId id="263" r:id="rId9"/>
+    <p:sldId id="264" r:id="rId10"/>
+    <p:sldId id="265" r:id="rId11"/>
+    <p:sldId id="266" r:id="rId12"/>
   </p:sldIdLst>
   <p:sldSz cx="12192000" cy="6858000"/>
   <p:notesSz cx="6858000" cy="9144000"/>
@@ -115,6 +125,439 @@
 </p:presentation>
 </file>
 
+<file path=ppt/notesMasters/notesMaster1.xml><?xml version="1.0" encoding="utf-8"?>
+<p:notesMaster xmlns:a="http://schemas.openxmlformats.org/drawingml/2006/main" xmlns:r="http://schemas.openxmlformats.org/officeDocument/2006/relationships" xmlns:p="http://schemas.openxmlformats.org/presentationml/2006/main">
+  <p:cSld>
+    <p:bg>
+      <p:bgRef idx="1001">
+        <a:schemeClr val="bg1"/>
+      </p:bgRef>
+    </p:bg>
+    <p:spTree>
+      <p:nvGrpSpPr>
+        <p:cNvPr id="1" name=""/>
+        <p:cNvGrpSpPr/>
+        <p:nvPr/>
+      </p:nvGrpSpPr>
+      <p:grpSpPr>
+        <a:xfrm>
+          <a:off x="0" y="0"/>
+          <a:ext cx="0" cy="0"/>
+          <a:chOff x="0" y="0"/>
+          <a:chExt cx="0" cy="0"/>
+        </a:xfrm>
+      </p:grpSpPr>
+      <p:sp>
+        <p:nvSpPr>
+          <p:cNvPr id="2" name="页眉占位符 1"/>
+          <p:cNvSpPr>
+            <a:spLocks noGrp="1"/>
+          </p:cNvSpPr>
+          <p:nvPr>
+            <p:ph type="hdr" sz="quarter"/>
+          </p:nvPr>
+        </p:nvSpPr>
+        <p:spPr>
+          <a:xfrm>
+            <a:off x="0" y="0"/>
+            <a:ext cx="2971800" cy="458788"/>
+          </a:xfrm>
+          <a:prstGeom prst="rect">
+            <a:avLst/>
+          </a:prstGeom>
+        </p:spPr>
+        <p:txBody>
+          <a:bodyPr vert="horz" lIns="91440" tIns="45720" rIns="91440" bIns="45720" rtlCol="0"/>
+          <a:lstStyle>
+            <a:lvl1pPr algn="l">
+              <a:defRPr sz="1200"/>
+            </a:lvl1pPr>
+          </a:lstStyle>
+          <a:p>
+            <a:endParaRPr kumimoji="1" lang="zh-CN" altLang="en-US"/>
+          </a:p>
+        </p:txBody>
+      </p:sp>
+      <p:sp>
+        <p:nvSpPr>
+          <p:cNvPr id="3" name="日期占位符 2"/>
+          <p:cNvSpPr>
+            <a:spLocks noGrp="1"/>
+          </p:cNvSpPr>
+          <p:nvPr>
+            <p:ph type="dt" idx="1"/>
+          </p:nvPr>
+        </p:nvSpPr>
+        <p:spPr>
+          <a:xfrm>
+            <a:off x="3884613" y="0"/>
+            <a:ext cx="2971800" cy="458788"/>
+          </a:xfrm>
+          <a:prstGeom prst="rect">
+            <a:avLst/>
+          </a:prstGeom>
+        </p:spPr>
+        <p:txBody>
+          <a:bodyPr vert="horz" lIns="91440" tIns="45720" rIns="91440" bIns="45720" rtlCol="0"/>
+          <a:lstStyle>
+            <a:lvl1pPr algn="r">
+              <a:defRPr sz="1200"/>
+            </a:lvl1pPr>
+          </a:lstStyle>
+          <a:p>
+            <a:fld id="{CBB5339F-5EE3-DC44-8B62-41BC91D8A22B}" type="datetimeFigureOut">
+              <a:rPr kumimoji="1" lang="zh-CN" altLang="en-US" smtClean="0"/>
+              <a:t>2020/3/6</a:t>
+            </a:fld>
+            <a:endParaRPr kumimoji="1" lang="zh-CN" altLang="en-US"/>
+          </a:p>
+        </p:txBody>
+      </p:sp>
+      <p:sp>
+        <p:nvSpPr>
+          <p:cNvPr id="4" name="幻灯片图像占位符 3"/>
+          <p:cNvSpPr>
+            <a:spLocks noGrp="1" noRot="1" noChangeAspect="1"/>
+          </p:cNvSpPr>
+          <p:nvPr>
+            <p:ph type="sldImg" idx="2"/>
+          </p:nvPr>
+        </p:nvSpPr>
+        <p:spPr>
+          <a:xfrm>
+            <a:off x="685800" y="1143000"/>
+            <a:ext cx="5486400" cy="3086100"/>
+          </a:xfrm>
+          <a:prstGeom prst="rect">
+            <a:avLst/>
+          </a:prstGeom>
+          <a:noFill/>
+          <a:ln w="12700">
+            <a:solidFill>
+              <a:prstClr val="black"/>
+            </a:solidFill>
+          </a:ln>
+        </p:spPr>
+        <p:txBody>
+          <a:bodyPr vert="horz" lIns="91440" tIns="45720" rIns="91440" bIns="45720" rtlCol="0" anchor="ctr"/>
+          <a:lstStyle/>
+          <a:p>
+            <a:endParaRPr lang="zh-CN" altLang="en-US"/>
+          </a:p>
+        </p:txBody>
+      </p:sp>
+      <p:sp>
+        <p:nvSpPr>
+          <p:cNvPr id="5" name="备注占位符 4"/>
+          <p:cNvSpPr>
+            <a:spLocks noGrp="1"/>
+          </p:cNvSpPr>
+          <p:nvPr>
+            <p:ph type="body" sz="quarter" idx="3"/>
+          </p:nvPr>
+        </p:nvSpPr>
+        <p:spPr>
+          <a:xfrm>
+            <a:off x="685800" y="4400550"/>
+            <a:ext cx="5486400" cy="3600450"/>
+          </a:xfrm>
+          <a:prstGeom prst="rect">
+            <a:avLst/>
+          </a:prstGeom>
+        </p:spPr>
+        <p:txBody>
+          <a:bodyPr vert="horz" lIns="91440" tIns="45720" rIns="91440" bIns="45720" rtlCol="0"/>
+          <a:lstStyle/>
+          <a:p>
+            <a:pPr lvl="0"/>
+            <a:r>
+              <a:rPr kumimoji="1" lang="zh-CN" altLang="en-US"/>
+              <a:t>单击此处编辑母版文本样式</a:t>
+            </a:r>
+          </a:p>
+          <a:p>
+            <a:pPr lvl="1"/>
+            <a:r>
+              <a:rPr kumimoji="1" lang="zh-CN" altLang="en-US"/>
+              <a:t>二级</a:t>
+            </a:r>
+          </a:p>
+          <a:p>
+            <a:pPr lvl="2"/>
+            <a:r>
+              <a:rPr kumimoji="1" lang="zh-CN" altLang="en-US"/>
+              <a:t>三级</a:t>
+            </a:r>
+          </a:p>
+          <a:p>
+            <a:pPr lvl="3"/>
+            <a:r>
+              <a:rPr kumimoji="1" lang="zh-CN" altLang="en-US"/>
+              <a:t>四级</a:t>
+            </a:r>
+          </a:p>
+          <a:p>
+            <a:pPr lvl="4"/>
+            <a:r>
+              <a:rPr kumimoji="1" lang="zh-CN" altLang="en-US"/>
+              <a:t>五级</a:t>
+            </a:r>
+          </a:p>
+        </p:txBody>
+      </p:sp>
+      <p:sp>
+        <p:nvSpPr>
+          <p:cNvPr id="6" name="页脚占位符 5"/>
+          <p:cNvSpPr>
+            <a:spLocks noGrp="1"/>
+          </p:cNvSpPr>
+          <p:nvPr>
+            <p:ph type="ftr" sz="quarter" idx="4"/>
+          </p:nvPr>
+        </p:nvSpPr>
+        <p:spPr>
+          <a:xfrm>
+            <a:off x="0" y="8685213"/>
+            <a:ext cx="2971800" cy="458787"/>
+          </a:xfrm>
+          <a:prstGeom prst="rect">
+            <a:avLst/>
+          </a:prstGeom>
+        </p:spPr>
+        <p:txBody>
+          <a:bodyPr vert="horz" lIns="91440" tIns="45720" rIns="91440" bIns="45720" rtlCol="0" anchor="b"/>
+          <a:lstStyle>
+            <a:lvl1pPr algn="l">
+              <a:defRPr sz="1200"/>
+            </a:lvl1pPr>
+          </a:lstStyle>
+          <a:p>
+            <a:endParaRPr kumimoji="1" lang="zh-CN" altLang="en-US"/>
+          </a:p>
+        </p:txBody>
+      </p:sp>
+      <p:sp>
+        <p:nvSpPr>
+          <p:cNvPr id="7" name="灯片编号占位符 6"/>
+          <p:cNvSpPr>
+            <a:spLocks noGrp="1"/>
+          </p:cNvSpPr>
+          <p:nvPr>
+            <p:ph type="sldNum" sz="quarter" idx="5"/>
+          </p:nvPr>
+        </p:nvSpPr>
+        <p:spPr>
+          <a:xfrm>
+            <a:off x="3884613" y="8685213"/>
+            <a:ext cx="2971800" cy="458787"/>
+          </a:xfrm>
+          <a:prstGeom prst="rect">
+            <a:avLst/>
+          </a:prstGeom>
+        </p:spPr>
+        <p:txBody>
+          <a:bodyPr vert="horz" lIns="91440" tIns="45720" rIns="91440" bIns="45720" rtlCol="0" anchor="b"/>
+          <a:lstStyle>
+            <a:lvl1pPr algn="r">
+              <a:defRPr sz="1200"/>
+            </a:lvl1pPr>
+          </a:lstStyle>
+          <a:p>
+            <a:fld id="{2C70FD67-F118-0B4B-BD60-9AFD35C92492}" type="slidenum">
+              <a:rPr kumimoji="1" lang="zh-CN" altLang="en-US" smtClean="0"/>
+              <a:t>‹#›</a:t>
+            </a:fld>
+            <a:endParaRPr kumimoji="1" lang="zh-CN" altLang="en-US"/>
+          </a:p>
+        </p:txBody>
+      </p:sp>
+    </p:spTree>
+    <p:extLst>
+      <p:ext uri="{BB962C8B-B14F-4D97-AF65-F5344CB8AC3E}">
+        <p14:creationId xmlns:p14="http://schemas.microsoft.com/office/powerpoint/2010/main" val="1033596368"/>
+      </p:ext>
+    </p:extLst>
+  </p:cSld>
+  <p:clrMap bg1="lt1" tx1="dk1" bg2="lt2" tx2="dk2" accent1="accent1" accent2="accent2" accent3="accent3" accent4="accent4" accent5="accent5" accent6="accent6" hlink="hlink" folHlink="folHlink"/>
+  <p:notesStyle>
+    <a:lvl1pPr marL="0" algn="l" defTabSz="914400" rtl="0" eaLnBrk="1" latinLnBrk="0" hangingPunct="1">
+      <a:defRPr sz="1200" kern="1200">
+        <a:solidFill>
+          <a:schemeClr val="tx1"/>
+        </a:solidFill>
+        <a:latin typeface="+mn-lt"/>
+        <a:ea typeface="+mn-ea"/>
+        <a:cs typeface="+mn-cs"/>
+      </a:defRPr>
+    </a:lvl1pPr>
+    <a:lvl2pPr marL="457200" algn="l" defTabSz="914400" rtl="0" eaLnBrk="1" latinLnBrk="0" hangingPunct="1">
+      <a:defRPr sz="1200" kern="1200">
+        <a:solidFill>
+          <a:schemeClr val="tx1"/>
+        </a:solidFill>
+        <a:latin typeface="+mn-lt"/>
+        <a:ea typeface="+mn-ea"/>
+        <a:cs typeface="+mn-cs"/>
+      </a:defRPr>
+    </a:lvl2pPr>
+    <a:lvl3pPr marL="914400" algn="l" defTabSz="914400" rtl="0" eaLnBrk="1" latinLnBrk="0" hangingPunct="1">
+      <a:defRPr sz="1200" kern="1200">
+        <a:solidFill>
+          <a:schemeClr val="tx1"/>
+        </a:solidFill>
+        <a:latin typeface="+mn-lt"/>
+        <a:ea typeface="+mn-ea"/>
+        <a:cs typeface="+mn-cs"/>
+      </a:defRPr>
+    </a:lvl3pPr>
+    <a:lvl4pPr marL="1371600" algn="l" defTabSz="914400" rtl="0" eaLnBrk="1" latinLnBrk="0" hangingPunct="1">
+      <a:defRPr sz="1200" kern="1200">
+        <a:solidFill>
+          <a:schemeClr val="tx1"/>
+        </a:solidFill>
+        <a:latin typeface="+mn-lt"/>
+        <a:ea typeface="+mn-ea"/>
+        <a:cs typeface="+mn-cs"/>
+      </a:defRPr>
+    </a:lvl4pPr>
+    <a:lvl5pPr marL="1828800" algn="l" defTabSz="914400" rtl="0" eaLnBrk="1" latinLnBrk="0" hangingPunct="1">
+      <a:defRPr sz="1200" kern="1200">
+        <a:solidFill>
+          <a:schemeClr val="tx1"/>
+        </a:solidFill>
+        <a:latin typeface="+mn-lt"/>
+        <a:ea typeface="+mn-ea"/>
+        <a:cs typeface="+mn-cs"/>
+      </a:defRPr>
+    </a:lvl5pPr>
+    <a:lvl6pPr marL="2286000" algn="l" defTabSz="914400" rtl="0" eaLnBrk="1" latinLnBrk="0" hangingPunct="1">
+      <a:defRPr sz="1200" kern="1200">
+        <a:solidFill>
+          <a:schemeClr val="tx1"/>
+        </a:solidFill>
+        <a:latin typeface="+mn-lt"/>
+        <a:ea typeface="+mn-ea"/>
+        <a:cs typeface="+mn-cs"/>
+      </a:defRPr>
+    </a:lvl6pPr>
+    <a:lvl7pPr marL="2743200" algn="l" defTabSz="914400" rtl="0" eaLnBrk="1" latinLnBrk="0" hangingPunct="1">
+      <a:defRPr sz="1200" kern="1200">
+        <a:solidFill>
+          <a:schemeClr val="tx1"/>
+        </a:solidFill>
+        <a:latin typeface="+mn-lt"/>
+        <a:ea typeface="+mn-ea"/>
+        <a:cs typeface="+mn-cs"/>
+      </a:defRPr>
+    </a:lvl7pPr>
+    <a:lvl8pPr marL="3200400" algn="l" defTabSz="914400" rtl="0" eaLnBrk="1" latinLnBrk="0" hangingPunct="1">
+      <a:defRPr sz="1200" kern="1200">
+        <a:solidFill>
+          <a:schemeClr val="tx1"/>
+        </a:solidFill>
+        <a:latin typeface="+mn-lt"/>
+        <a:ea typeface="+mn-ea"/>
+        <a:cs typeface="+mn-cs"/>
+      </a:defRPr>
+    </a:lvl8pPr>
+    <a:lvl9pPr marL="3657600" algn="l" defTabSz="914400" rtl="0" eaLnBrk="1" latinLnBrk="0" hangingPunct="1">
+      <a:defRPr sz="1200" kern="1200">
+        <a:solidFill>
+          <a:schemeClr val="tx1"/>
+        </a:solidFill>
+        <a:latin typeface="+mn-lt"/>
+        <a:ea typeface="+mn-ea"/>
+        <a:cs typeface="+mn-cs"/>
+      </a:defRPr>
+    </a:lvl9pPr>
+  </p:notesStyle>
+</p:notesMaster>
+</file>
+
+<file path=ppt/notesSlides/notesSlide1.xml><?xml version="1.0" encoding="utf-8"?>
+<p:notes xmlns:a="http://schemas.openxmlformats.org/drawingml/2006/main" xmlns:r="http://schemas.openxmlformats.org/officeDocument/2006/relationships" xmlns:p="http://schemas.openxmlformats.org/presentationml/2006/main">
+  <p:cSld>
+    <p:spTree>
+      <p:nvGrpSpPr>
+        <p:cNvPr id="1" name=""/>
+        <p:cNvGrpSpPr/>
+        <p:nvPr/>
+      </p:nvGrpSpPr>
+      <p:grpSpPr>
+        <a:xfrm>
+          <a:off x="0" y="0"/>
+          <a:ext cx="0" cy="0"/>
+          <a:chOff x="0" y="0"/>
+          <a:chExt cx="0" cy="0"/>
+        </a:xfrm>
+      </p:grpSpPr>
+      <p:sp>
+        <p:nvSpPr>
+          <p:cNvPr id="2" name="幻灯片图像占位符 1"/>
+          <p:cNvSpPr>
+            <a:spLocks noGrp="1" noRot="1" noChangeAspect="1"/>
+          </p:cNvSpPr>
+          <p:nvPr>
+            <p:ph type="sldImg"/>
+          </p:nvPr>
+        </p:nvSpPr>
+        <p:spPr/>
+      </p:sp>
+      <p:sp>
+        <p:nvSpPr>
+          <p:cNvPr id="3" name="备注占位符 2"/>
+          <p:cNvSpPr>
+            <a:spLocks noGrp="1"/>
+          </p:cNvSpPr>
+          <p:nvPr>
+            <p:ph type="body" idx="1"/>
+          </p:nvPr>
+        </p:nvSpPr>
+        <p:spPr/>
+        <p:txBody>
+          <a:bodyPr/>
+          <a:lstStyle/>
+          <a:p>
+            <a:endParaRPr kumimoji="1" lang="zh-CN" altLang="en-US" dirty="0"/>
+          </a:p>
+        </p:txBody>
+      </p:sp>
+      <p:sp>
+        <p:nvSpPr>
+          <p:cNvPr id="4" name="灯片编号占位符 3"/>
+          <p:cNvSpPr>
+            <a:spLocks noGrp="1"/>
+          </p:cNvSpPr>
+          <p:nvPr>
+            <p:ph type="sldNum" sz="quarter" idx="5"/>
+          </p:nvPr>
+        </p:nvSpPr>
+        <p:spPr/>
+        <p:txBody>
+          <a:bodyPr/>
+          <a:lstStyle/>
+          <a:p>
+            <a:fld id="{2C70FD67-F118-0B4B-BD60-9AFD35C92492}" type="slidenum">
+              <a:rPr kumimoji="1" lang="zh-CN" altLang="en-US" smtClean="0"/>
+              <a:t>8</a:t>
+            </a:fld>
+            <a:endParaRPr kumimoji="1" lang="zh-CN" altLang="en-US"/>
+          </a:p>
+        </p:txBody>
+      </p:sp>
+    </p:spTree>
+    <p:extLst>
+      <p:ext uri="{BB962C8B-B14F-4D97-AF65-F5344CB8AC3E}">
+        <p14:creationId xmlns:p14="http://schemas.microsoft.com/office/powerpoint/2010/main" val="4289160235"/>
+      </p:ext>
+    </p:extLst>
+  </p:cSld>
+  <p:clrMapOvr>
+    <a:masterClrMapping/>
+  </p:clrMapOvr>
+</p:notes>
+</file>
+
 <file path=ppt/slideLayouts/slideLayout1.xml><?xml version="1.0" encoding="utf-8"?>
 <p:sldLayout xmlns:a="http://schemas.openxmlformats.org/drawingml/2006/main" xmlns:r="http://schemas.openxmlformats.org/officeDocument/2006/relationships" xmlns:p="http://schemas.openxmlformats.org/presentationml/2006/main" type="title" preserve="1">
   <p:cSld name="标题幻灯片">
@@ -262,7 +705,7 @@
           <a:p>
             <a:fld id="{84A69666-997E-9B4F-AB96-2CAE8D7B6CF2}" type="datetimeFigureOut">
               <a:rPr kumimoji="1" lang="zh-CN" altLang="en-US" smtClean="0"/>
-              <a:t>2020/2/17</a:t>
+              <a:t>2020/3/6</a:t>
             </a:fld>
             <a:endParaRPr kumimoji="1" lang="zh-CN" altLang="en-US"/>
           </a:p>
@@ -460,7 +903,7 @@
           <a:p>
             <a:fld id="{84A69666-997E-9B4F-AB96-2CAE8D7B6CF2}" type="datetimeFigureOut">
               <a:rPr kumimoji="1" lang="zh-CN" altLang="en-US" smtClean="0"/>
-              <a:t>2020/2/17</a:t>
+              <a:t>2020/3/6</a:t>
             </a:fld>
             <a:endParaRPr kumimoji="1" lang="zh-CN" altLang="en-US"/>
           </a:p>
@@ -668,7 +1111,7 @@
           <a:p>
             <a:fld id="{84A69666-997E-9B4F-AB96-2CAE8D7B6CF2}" type="datetimeFigureOut">
               <a:rPr kumimoji="1" lang="zh-CN" altLang="en-US" smtClean="0"/>
-              <a:t>2020/2/17</a:t>
+              <a:t>2020/3/6</a:t>
             </a:fld>
             <a:endParaRPr kumimoji="1" lang="zh-CN" altLang="en-US"/>
           </a:p>
@@ -866,7 +1309,7 @@
           <a:p>
             <a:fld id="{84A69666-997E-9B4F-AB96-2CAE8D7B6CF2}" type="datetimeFigureOut">
               <a:rPr kumimoji="1" lang="zh-CN" altLang="en-US" smtClean="0"/>
-              <a:t>2020/2/17</a:t>
+              <a:t>2020/3/6</a:t>
             </a:fld>
             <a:endParaRPr kumimoji="1" lang="zh-CN" altLang="en-US"/>
           </a:p>
@@ -1141,7 +1584,7 @@
           <a:p>
             <a:fld id="{84A69666-997E-9B4F-AB96-2CAE8D7B6CF2}" type="datetimeFigureOut">
               <a:rPr kumimoji="1" lang="zh-CN" altLang="en-US" smtClean="0"/>
-              <a:t>2020/2/17</a:t>
+              <a:t>2020/3/6</a:t>
             </a:fld>
             <a:endParaRPr kumimoji="1" lang="zh-CN" altLang="en-US"/>
           </a:p>
@@ -1406,7 +1849,7 @@
           <a:p>
             <a:fld id="{84A69666-997E-9B4F-AB96-2CAE8D7B6CF2}" type="datetimeFigureOut">
               <a:rPr kumimoji="1" lang="zh-CN" altLang="en-US" smtClean="0"/>
-              <a:t>2020/2/17</a:t>
+              <a:t>2020/3/6</a:t>
             </a:fld>
             <a:endParaRPr kumimoji="1" lang="zh-CN" altLang="en-US"/>
           </a:p>
@@ -1818,7 +2261,7 @@
           <a:p>
             <a:fld id="{84A69666-997E-9B4F-AB96-2CAE8D7B6CF2}" type="datetimeFigureOut">
               <a:rPr kumimoji="1" lang="zh-CN" altLang="en-US" smtClean="0"/>
-              <a:t>2020/2/17</a:t>
+              <a:t>2020/3/6</a:t>
             </a:fld>
             <a:endParaRPr kumimoji="1" lang="zh-CN" altLang="en-US"/>
           </a:p>
@@ -1959,7 +2402,7 @@
           <a:p>
             <a:fld id="{84A69666-997E-9B4F-AB96-2CAE8D7B6CF2}" type="datetimeFigureOut">
               <a:rPr kumimoji="1" lang="zh-CN" altLang="en-US" smtClean="0"/>
-              <a:t>2020/2/17</a:t>
+              <a:t>2020/3/6</a:t>
             </a:fld>
             <a:endParaRPr kumimoji="1" lang="zh-CN" altLang="en-US"/>
           </a:p>
@@ -2072,7 +2515,7 @@
           <a:p>
             <a:fld id="{84A69666-997E-9B4F-AB96-2CAE8D7B6CF2}" type="datetimeFigureOut">
               <a:rPr kumimoji="1" lang="zh-CN" altLang="en-US" smtClean="0"/>
-              <a:t>2020/2/17</a:t>
+              <a:t>2020/3/6</a:t>
             </a:fld>
             <a:endParaRPr kumimoji="1" lang="zh-CN" altLang="en-US"/>
           </a:p>
@@ -2383,7 +2826,7 @@
           <a:p>
             <a:fld id="{84A69666-997E-9B4F-AB96-2CAE8D7B6CF2}" type="datetimeFigureOut">
               <a:rPr kumimoji="1" lang="zh-CN" altLang="en-US" smtClean="0"/>
-              <a:t>2020/2/17</a:t>
+              <a:t>2020/3/6</a:t>
             </a:fld>
             <a:endParaRPr kumimoji="1" lang="zh-CN" altLang="en-US"/>
           </a:p>
@@ -2671,7 +3114,7 @@
           <a:p>
             <a:fld id="{84A69666-997E-9B4F-AB96-2CAE8D7B6CF2}" type="datetimeFigureOut">
               <a:rPr kumimoji="1" lang="zh-CN" altLang="en-US" smtClean="0"/>
-              <a:t>2020/2/17</a:t>
+              <a:t>2020/3/6</a:t>
             </a:fld>
             <a:endParaRPr kumimoji="1" lang="zh-CN" altLang="en-US"/>
           </a:p>
@@ -2912,7 +3355,7 @@
           <a:p>
             <a:fld id="{84A69666-997E-9B4F-AB96-2CAE8D7B6CF2}" type="datetimeFigureOut">
               <a:rPr kumimoji="1" lang="zh-CN" altLang="en-US" smtClean="0"/>
-              <a:t>2020/2/17</a:t>
+              <a:t>2020/3/6</a:t>
             </a:fld>
             <a:endParaRPr kumimoji="1" lang="zh-CN" altLang="en-US"/>
           </a:p>
@@ -3450,6 +3893,627 @@
 </p:sld>
 </file>
 
+<file path=ppt/slides/slide10.xml><?xml version="1.0" encoding="utf-8"?>
+<p:sld xmlns:a="http://schemas.openxmlformats.org/drawingml/2006/main" xmlns:r="http://schemas.openxmlformats.org/officeDocument/2006/relationships" xmlns:p="http://schemas.openxmlformats.org/presentationml/2006/main">
+  <p:cSld>
+    <p:spTree>
+      <p:nvGrpSpPr>
+        <p:cNvPr id="1" name=""/>
+        <p:cNvGrpSpPr/>
+        <p:nvPr/>
+      </p:nvGrpSpPr>
+      <p:grpSpPr>
+        <a:xfrm>
+          <a:off x="0" y="0"/>
+          <a:ext cx="0" cy="0"/>
+          <a:chOff x="0" y="0"/>
+          <a:chExt cx="0" cy="0"/>
+        </a:xfrm>
+      </p:grpSpPr>
+      <p:sp>
+        <p:nvSpPr>
+          <p:cNvPr id="4" name="矩形 3">
+            <a:extLst>
+              <a:ext uri="{FF2B5EF4-FFF2-40B4-BE49-F238E27FC236}">
+                <a16:creationId xmlns:a16="http://schemas.microsoft.com/office/drawing/2014/main" id="{B44CD6F7-FEBE-784D-98EC-530F6E8D1961}"/>
+              </a:ext>
+            </a:extLst>
+          </p:cNvPr>
+          <p:cNvSpPr/>
+          <p:nvPr/>
+        </p:nvSpPr>
+        <p:spPr>
+          <a:xfrm>
+            <a:off x="0" y="0"/>
+            <a:ext cx="1578317" cy="369332"/>
+          </a:xfrm>
+          <a:prstGeom prst="rect">
+            <a:avLst/>
+          </a:prstGeom>
+        </p:spPr>
+        <p:txBody>
+          <a:bodyPr wrap="none">
+            <a:spAutoFit/>
+          </a:bodyPr>
+          <a:lstStyle/>
+          <a:p>
+            <a:r>
+              <a:rPr lang="en-US" altLang="zh-CN" b="1" dirty="0" err="1">
+                <a:solidFill>
+                  <a:srgbClr val="333333"/>
+                </a:solidFill>
+                <a:latin typeface="Helvetica Neue" panose="02000503000000020004" pitchFamily="2" charset="0"/>
+              </a:rPr>
+              <a:t>flutter_redux</a:t>
+            </a:r>
+            <a:endParaRPr lang="en-US" altLang="zh-CN" b="1" i="0" dirty="0">
+              <a:solidFill>
+                <a:srgbClr val="333333"/>
+              </a:solidFill>
+              <a:effectLst/>
+              <a:latin typeface="Helvetica Neue" panose="02000503000000020004" pitchFamily="2" charset="0"/>
+            </a:endParaRPr>
+          </a:p>
+        </p:txBody>
+      </p:sp>
+      <p:pic>
+        <p:nvPicPr>
+          <p:cNvPr id="5" name="图片 4">
+            <a:extLst>
+              <a:ext uri="{FF2B5EF4-FFF2-40B4-BE49-F238E27FC236}">
+                <a16:creationId xmlns:a16="http://schemas.microsoft.com/office/drawing/2014/main" id="{00B3CE63-4764-3948-8213-68F6D19FACCD}"/>
+              </a:ext>
+            </a:extLst>
+          </p:cNvPr>
+          <p:cNvPicPr>
+            <a:picLocks noChangeAspect="1"/>
+          </p:cNvPicPr>
+          <p:nvPr/>
+        </p:nvPicPr>
+        <p:blipFill>
+          <a:blip r:embed="rId2"/>
+          <a:stretch>
+            <a:fillRect/>
+          </a:stretch>
+        </p:blipFill>
+        <p:spPr>
+          <a:xfrm>
+            <a:off x="-1" y="369332"/>
+            <a:ext cx="6025137" cy="3834178"/>
+          </a:xfrm>
+          <a:prstGeom prst="rect">
+            <a:avLst/>
+          </a:prstGeom>
+        </p:spPr>
+      </p:pic>
+      <p:sp>
+        <p:nvSpPr>
+          <p:cNvPr id="6" name="矩形 5">
+            <a:extLst>
+              <a:ext uri="{FF2B5EF4-FFF2-40B4-BE49-F238E27FC236}">
+                <a16:creationId xmlns:a16="http://schemas.microsoft.com/office/drawing/2014/main" id="{07DF1930-9883-EC46-A28A-C61AF2BD5E2E}"/>
+              </a:ext>
+            </a:extLst>
+          </p:cNvPr>
+          <p:cNvSpPr/>
+          <p:nvPr/>
+        </p:nvSpPr>
+        <p:spPr>
+          <a:xfrm>
+            <a:off x="6166866" y="532095"/>
+            <a:ext cx="6096000" cy="1754326"/>
+          </a:xfrm>
+          <a:prstGeom prst="rect">
+            <a:avLst/>
+          </a:prstGeom>
+        </p:spPr>
+        <p:txBody>
+          <a:bodyPr>
+            <a:spAutoFit/>
+          </a:bodyPr>
+          <a:lstStyle/>
+          <a:p>
+            <a:pPr>
+              <a:buFont typeface="Arial" panose="020B0604020202020204" pitchFamily="34" charset="0"/>
+              <a:buChar char="•"/>
+            </a:pPr>
+            <a:r>
+              <a:rPr lang="zh-CN" altLang="en-US" dirty="0">
+                <a:solidFill>
+                  <a:srgbClr val="333333"/>
+                </a:solidFill>
+                <a:latin typeface="Helvetica Neue" panose="02000503000000020004" pitchFamily="2" charset="0"/>
+              </a:rPr>
+              <a:t>创建 </a:t>
+            </a:r>
+            <a:r>
+              <a:rPr lang="en-US" altLang="zh-CN" dirty="0">
+                <a:solidFill>
+                  <a:srgbClr val="333333"/>
+                </a:solidFill>
+                <a:latin typeface="Helvetica Neue" panose="02000503000000020004" pitchFamily="2" charset="0"/>
+              </a:rPr>
+              <a:t>Store </a:t>
+            </a:r>
+            <a:r>
+              <a:rPr lang="zh-CN" altLang="en-US" dirty="0">
+                <a:solidFill>
+                  <a:srgbClr val="333333"/>
+                </a:solidFill>
+                <a:latin typeface="Helvetica Neue" panose="02000503000000020004" pitchFamily="2" charset="0"/>
+              </a:rPr>
+              <a:t>用于管理状态 。</a:t>
+            </a:r>
+          </a:p>
+          <a:p>
+            <a:pPr>
+              <a:buFont typeface="Arial" panose="020B0604020202020204" pitchFamily="34" charset="0"/>
+              <a:buChar char="•"/>
+            </a:pPr>
+            <a:r>
+              <a:rPr lang="zh-CN" altLang="en-US" dirty="0">
+                <a:solidFill>
+                  <a:srgbClr val="333333"/>
+                </a:solidFill>
+                <a:latin typeface="Helvetica Neue" panose="02000503000000020004" pitchFamily="2" charset="0"/>
+              </a:rPr>
+              <a:t>给 </a:t>
+            </a:r>
+            <a:r>
+              <a:rPr lang="en-US" altLang="zh-CN" dirty="0">
+                <a:solidFill>
+                  <a:srgbClr val="333333"/>
+                </a:solidFill>
+                <a:latin typeface="Helvetica Neue" panose="02000503000000020004" pitchFamily="2" charset="0"/>
+              </a:rPr>
+              <a:t>Store </a:t>
+            </a:r>
+            <a:r>
+              <a:rPr lang="zh-CN" altLang="en-US" dirty="0">
+                <a:solidFill>
+                  <a:srgbClr val="333333"/>
+                </a:solidFill>
+                <a:latin typeface="Helvetica Neue" panose="02000503000000020004" pitchFamily="2" charset="0"/>
+              </a:rPr>
+              <a:t>增加 </a:t>
+            </a:r>
+            <a:r>
+              <a:rPr lang="en-US" altLang="zh-CN" dirty="0" err="1">
+                <a:solidFill>
+                  <a:srgbClr val="333333"/>
+                </a:solidFill>
+                <a:latin typeface="Helvetica Neue" panose="02000503000000020004" pitchFamily="2" charset="0"/>
+              </a:rPr>
+              <a:t>appReducer</a:t>
+            </a:r>
+            <a:r>
+              <a:rPr lang="en-US" altLang="zh-CN" dirty="0">
+                <a:solidFill>
+                  <a:srgbClr val="333333"/>
+                </a:solidFill>
+                <a:latin typeface="Helvetica Neue" panose="02000503000000020004" pitchFamily="2" charset="0"/>
+              </a:rPr>
+              <a:t> </a:t>
+            </a:r>
+            <a:r>
+              <a:rPr lang="zh-CN" altLang="en-US" dirty="0">
+                <a:solidFill>
+                  <a:srgbClr val="333333"/>
+                </a:solidFill>
+                <a:latin typeface="Helvetica Neue" panose="02000503000000020004" pitchFamily="2" charset="0"/>
+              </a:rPr>
+              <a:t>合集方法，增加需要拦截的 </a:t>
+            </a:r>
+            <a:r>
+              <a:rPr lang="en-US" altLang="zh-CN" dirty="0">
+                <a:solidFill>
+                  <a:srgbClr val="333333"/>
+                </a:solidFill>
+                <a:latin typeface="Helvetica Neue" panose="02000503000000020004" pitchFamily="2" charset="0"/>
+              </a:rPr>
+              <a:t>middleware</a:t>
+            </a:r>
+            <a:r>
+              <a:rPr lang="zh-CN" altLang="en-US" dirty="0">
+                <a:solidFill>
+                  <a:srgbClr val="333333"/>
+                </a:solidFill>
+                <a:latin typeface="Helvetica Neue" panose="02000503000000020004" pitchFamily="2" charset="0"/>
+              </a:rPr>
+              <a:t>，并初始化状态。</a:t>
+            </a:r>
+          </a:p>
+          <a:p>
+            <a:pPr>
+              <a:buFont typeface="Arial" panose="020B0604020202020204" pitchFamily="34" charset="0"/>
+              <a:buChar char="•"/>
+            </a:pPr>
+            <a:r>
+              <a:rPr lang="zh-CN" altLang="en-US" dirty="0">
+                <a:solidFill>
+                  <a:srgbClr val="333333"/>
+                </a:solidFill>
+                <a:latin typeface="Helvetica Neue" panose="02000503000000020004" pitchFamily="2" charset="0"/>
+              </a:rPr>
+              <a:t>将 </a:t>
+            </a:r>
+            <a:r>
+              <a:rPr lang="en-US" altLang="zh-CN" dirty="0">
+                <a:solidFill>
+                  <a:srgbClr val="333333"/>
+                </a:solidFill>
+                <a:latin typeface="Helvetica Neue" panose="02000503000000020004" pitchFamily="2" charset="0"/>
+              </a:rPr>
+              <a:t>Store </a:t>
+            </a:r>
+            <a:r>
+              <a:rPr lang="zh-CN" altLang="en-US" dirty="0">
+                <a:solidFill>
+                  <a:srgbClr val="333333"/>
+                </a:solidFill>
+                <a:latin typeface="Helvetica Neue" panose="02000503000000020004" pitchFamily="2" charset="0"/>
+              </a:rPr>
+              <a:t>设置给 </a:t>
+            </a:r>
+            <a:r>
+              <a:rPr lang="en-US" altLang="zh-CN" dirty="0" err="1">
+                <a:solidFill>
+                  <a:srgbClr val="333333"/>
+                </a:solidFill>
+                <a:latin typeface="Helvetica Neue" panose="02000503000000020004" pitchFamily="2" charset="0"/>
+              </a:rPr>
+              <a:t>StoreProvider</a:t>
+            </a:r>
+            <a:r>
+              <a:rPr lang="en-US" altLang="zh-CN" dirty="0">
+                <a:solidFill>
+                  <a:srgbClr val="333333"/>
+                </a:solidFill>
+                <a:latin typeface="Helvetica Neue" panose="02000503000000020004" pitchFamily="2" charset="0"/>
+              </a:rPr>
+              <a:t> </a:t>
+            </a:r>
+            <a:r>
+              <a:rPr lang="zh-CN" altLang="en-US" dirty="0">
+                <a:solidFill>
+                  <a:srgbClr val="333333"/>
+                </a:solidFill>
+                <a:latin typeface="Helvetica Neue" panose="02000503000000020004" pitchFamily="2" charset="0"/>
+              </a:rPr>
+              <a:t>这个 </a:t>
+            </a:r>
+            <a:r>
+              <a:rPr lang="en-US" altLang="zh-CN" dirty="0" err="1">
+                <a:solidFill>
+                  <a:srgbClr val="333333"/>
+                </a:solidFill>
+                <a:latin typeface="Helvetica Neue" panose="02000503000000020004" pitchFamily="2" charset="0"/>
+              </a:rPr>
+              <a:t>InheritedWidget</a:t>
+            </a:r>
+            <a:r>
+              <a:rPr lang="en-US" altLang="zh-CN" dirty="0">
+                <a:solidFill>
+                  <a:srgbClr val="333333"/>
+                </a:solidFill>
+                <a:latin typeface="Helvetica Neue" panose="02000503000000020004" pitchFamily="2" charset="0"/>
+              </a:rPr>
+              <a:t> </a:t>
+            </a:r>
+            <a:r>
+              <a:rPr lang="zh-CN" altLang="en-US" dirty="0">
+                <a:solidFill>
+                  <a:srgbClr val="333333"/>
+                </a:solidFill>
+                <a:latin typeface="Helvetica Neue" panose="02000503000000020004" pitchFamily="2" charset="0"/>
+              </a:rPr>
+              <a:t>。</a:t>
+            </a:r>
+          </a:p>
+          <a:p>
+            <a:pPr>
+              <a:buFont typeface="Arial" panose="020B0604020202020204" pitchFamily="34" charset="0"/>
+              <a:buChar char="•"/>
+            </a:pPr>
+            <a:r>
+              <a:rPr lang="zh-CN" altLang="en-US" dirty="0">
+                <a:solidFill>
+                  <a:srgbClr val="333333"/>
+                </a:solidFill>
+                <a:latin typeface="Helvetica Neue" panose="02000503000000020004" pitchFamily="2" charset="0"/>
+              </a:rPr>
+              <a:t>通过 </a:t>
+            </a:r>
+            <a:r>
+              <a:rPr lang="en-US" altLang="zh-CN" dirty="0" err="1">
+                <a:solidFill>
+                  <a:srgbClr val="333333"/>
+                </a:solidFill>
+                <a:latin typeface="Helvetica Neue" panose="02000503000000020004" pitchFamily="2" charset="0"/>
+              </a:rPr>
+              <a:t>StoreConnector</a:t>
+            </a:r>
+            <a:r>
+              <a:rPr lang="en-US" altLang="zh-CN" dirty="0">
+                <a:solidFill>
+                  <a:srgbClr val="333333"/>
+                </a:solidFill>
+                <a:latin typeface="Helvetica Neue" panose="02000503000000020004" pitchFamily="2" charset="0"/>
+              </a:rPr>
+              <a:t> / </a:t>
+            </a:r>
+            <a:r>
+              <a:rPr lang="en-US" altLang="zh-CN" dirty="0" err="1">
+                <a:solidFill>
+                  <a:srgbClr val="333333"/>
+                </a:solidFill>
+                <a:latin typeface="Helvetica Neue" panose="02000503000000020004" pitchFamily="2" charset="0"/>
+              </a:rPr>
+              <a:t>StoreBuilder</a:t>
+            </a:r>
+            <a:r>
+              <a:rPr lang="en-US" altLang="zh-CN" dirty="0">
+                <a:solidFill>
+                  <a:srgbClr val="333333"/>
+                </a:solidFill>
+                <a:latin typeface="Helvetica Neue" panose="02000503000000020004" pitchFamily="2" charset="0"/>
+              </a:rPr>
+              <a:t> </a:t>
+            </a:r>
+            <a:r>
+              <a:rPr lang="zh-CN" altLang="en-US" dirty="0">
+                <a:solidFill>
+                  <a:srgbClr val="333333"/>
+                </a:solidFill>
+                <a:latin typeface="Helvetica Neue" panose="02000503000000020004" pitchFamily="2" charset="0"/>
+              </a:rPr>
+              <a:t>加载显示 </a:t>
+            </a:r>
+            <a:r>
+              <a:rPr lang="en-US" altLang="zh-CN" dirty="0">
+                <a:solidFill>
+                  <a:srgbClr val="333333"/>
+                </a:solidFill>
+                <a:latin typeface="Helvetica Neue" panose="02000503000000020004" pitchFamily="2" charset="0"/>
+              </a:rPr>
+              <a:t>Store </a:t>
+            </a:r>
+            <a:r>
+              <a:rPr lang="zh-CN" altLang="en-US" dirty="0">
+                <a:solidFill>
+                  <a:srgbClr val="333333"/>
+                </a:solidFill>
+                <a:latin typeface="Helvetica Neue" panose="02000503000000020004" pitchFamily="2" charset="0"/>
+              </a:rPr>
+              <a:t>中的数据。</a:t>
+            </a:r>
+            <a:endParaRPr lang="zh-CN" altLang="en-US" b="0" i="0" dirty="0">
+              <a:solidFill>
+                <a:srgbClr val="333333"/>
+              </a:solidFill>
+              <a:effectLst/>
+              <a:latin typeface="Helvetica Neue" panose="02000503000000020004" pitchFamily="2" charset="0"/>
+            </a:endParaRPr>
+          </a:p>
+        </p:txBody>
+      </p:sp>
+    </p:spTree>
+    <p:extLst>
+      <p:ext uri="{BB962C8B-B14F-4D97-AF65-F5344CB8AC3E}">
+        <p14:creationId xmlns:p14="http://schemas.microsoft.com/office/powerpoint/2010/main" val="122400443"/>
+      </p:ext>
+    </p:extLst>
+  </p:cSld>
+  <p:clrMapOvr>
+    <a:masterClrMapping/>
+  </p:clrMapOvr>
+</p:sld>
+</file>
+
+<file path=ppt/slides/slide11.xml><?xml version="1.0" encoding="utf-8"?>
+<p:sld xmlns:a="http://schemas.openxmlformats.org/drawingml/2006/main" xmlns:r="http://schemas.openxmlformats.org/officeDocument/2006/relationships" xmlns:p="http://schemas.openxmlformats.org/presentationml/2006/main">
+  <p:cSld>
+    <p:spTree>
+      <p:nvGrpSpPr>
+        <p:cNvPr id="1" name=""/>
+        <p:cNvGrpSpPr/>
+        <p:nvPr/>
+      </p:nvGrpSpPr>
+      <p:grpSpPr>
+        <a:xfrm>
+          <a:off x="0" y="0"/>
+          <a:ext cx="0" cy="0"/>
+          <a:chOff x="0" y="0"/>
+          <a:chExt cx="0" cy="0"/>
+        </a:xfrm>
+      </p:grpSpPr>
+      <p:sp>
+        <p:nvSpPr>
+          <p:cNvPr id="4" name="矩形 3">
+            <a:extLst>
+              <a:ext uri="{FF2B5EF4-FFF2-40B4-BE49-F238E27FC236}">
+                <a16:creationId xmlns:a16="http://schemas.microsoft.com/office/drawing/2014/main" id="{DBE0FB78-AC6C-BB47-964F-7E1833FE4223}"/>
+              </a:ext>
+            </a:extLst>
+          </p:cNvPr>
+          <p:cNvSpPr/>
+          <p:nvPr/>
+        </p:nvSpPr>
+        <p:spPr>
+          <a:xfrm>
+            <a:off x="0" y="0"/>
+            <a:ext cx="1922321" cy="369332"/>
+          </a:xfrm>
+          <a:prstGeom prst="rect">
+            <a:avLst/>
+          </a:prstGeom>
+        </p:spPr>
+        <p:txBody>
+          <a:bodyPr wrap="none">
+            <a:spAutoFit/>
+          </a:bodyPr>
+          <a:lstStyle/>
+          <a:p>
+            <a:r>
+              <a:rPr lang="en-US" altLang="zh-CN" dirty="0" err="1"/>
+              <a:t>jvm</a:t>
+            </a:r>
+            <a:r>
+              <a:rPr lang="zh-CN" altLang="en-US" dirty="0"/>
+              <a:t>双亲委派模型</a:t>
+            </a:r>
+          </a:p>
+        </p:txBody>
+      </p:sp>
+      <p:pic>
+        <p:nvPicPr>
+          <p:cNvPr id="5" name="图片 4">
+            <a:extLst>
+              <a:ext uri="{FF2B5EF4-FFF2-40B4-BE49-F238E27FC236}">
+                <a16:creationId xmlns:a16="http://schemas.microsoft.com/office/drawing/2014/main" id="{57F409F9-E905-3841-A4D0-8BB505CCCF45}"/>
+              </a:ext>
+            </a:extLst>
+          </p:cNvPr>
+          <p:cNvPicPr>
+            <a:picLocks noChangeAspect="1"/>
+          </p:cNvPicPr>
+          <p:nvPr/>
+        </p:nvPicPr>
+        <p:blipFill>
+          <a:blip r:embed="rId2"/>
+          <a:stretch>
+            <a:fillRect/>
+          </a:stretch>
+        </p:blipFill>
+        <p:spPr>
+          <a:xfrm>
+            <a:off x="0" y="627822"/>
+            <a:ext cx="5667420" cy="4977848"/>
+          </a:xfrm>
+          <a:prstGeom prst="rect">
+            <a:avLst/>
+          </a:prstGeom>
+        </p:spPr>
+      </p:pic>
+      <p:sp>
+        <p:nvSpPr>
+          <p:cNvPr id="7" name="矩形 6">
+            <a:extLst>
+              <a:ext uri="{FF2B5EF4-FFF2-40B4-BE49-F238E27FC236}">
+                <a16:creationId xmlns:a16="http://schemas.microsoft.com/office/drawing/2014/main" id="{59268F98-9A99-D343-A0D5-7C2634268957}"/>
+              </a:ext>
+            </a:extLst>
+          </p:cNvPr>
+          <p:cNvSpPr/>
+          <p:nvPr/>
+        </p:nvSpPr>
+        <p:spPr>
+          <a:xfrm>
+            <a:off x="5667420" y="369332"/>
+            <a:ext cx="6096000" cy="646331"/>
+          </a:xfrm>
+          <a:prstGeom prst="rect">
+            <a:avLst/>
+          </a:prstGeom>
+        </p:spPr>
+        <p:txBody>
+          <a:bodyPr>
+            <a:spAutoFit/>
+          </a:bodyPr>
+          <a:lstStyle/>
+          <a:p>
+            <a:r>
+              <a:rPr lang="en-US" altLang="zh-CN" dirty="0"/>
+              <a:t>1.</a:t>
+            </a:r>
+            <a:r>
+              <a:rPr lang="zh-CN" altLang="en-US" dirty="0"/>
+              <a:t>种是启动类加载器（Bootstrap ClassLoader），这个类加载器使用C++语言实现[1]，是虚拟机自身的一部分；</a:t>
+            </a:r>
+          </a:p>
+        </p:txBody>
+      </p:sp>
+      <p:sp>
+        <p:nvSpPr>
+          <p:cNvPr id="8" name="矩形 7">
+            <a:extLst>
+              <a:ext uri="{FF2B5EF4-FFF2-40B4-BE49-F238E27FC236}">
+                <a16:creationId xmlns:a16="http://schemas.microsoft.com/office/drawing/2014/main" id="{501AFAB7-D5D4-AD48-98F0-4EF706C67839}"/>
+              </a:ext>
+            </a:extLst>
+          </p:cNvPr>
+          <p:cNvSpPr/>
+          <p:nvPr/>
+        </p:nvSpPr>
+        <p:spPr>
+          <a:xfrm>
+            <a:off x="5667420" y="1274153"/>
+            <a:ext cx="6096000" cy="1477328"/>
+          </a:xfrm>
+          <a:prstGeom prst="rect">
+            <a:avLst/>
+          </a:prstGeom>
+        </p:spPr>
+        <p:txBody>
+          <a:bodyPr>
+            <a:spAutoFit/>
+          </a:bodyPr>
+          <a:lstStyle/>
+          <a:p>
+            <a:r>
+              <a:rPr lang="zh-CN" altLang="en-US" dirty="0"/>
+              <a:t>﻿扩展类加载器（Extension ClassLoader）：这个加载器由sun.misc.Launcher $ExtClassLoader实现，它负责加载＜JAVA_HOME＞\lib\ext目录中的，或者被java.ext.dirs系统变量所指定的路径中的所有类库，开发者可以直接使用扩展类加载器。</a:t>
+            </a:r>
+          </a:p>
+        </p:txBody>
+      </p:sp>
+      <p:sp>
+        <p:nvSpPr>
+          <p:cNvPr id="9" name="矩形 8">
+            <a:extLst>
+              <a:ext uri="{FF2B5EF4-FFF2-40B4-BE49-F238E27FC236}">
+                <a16:creationId xmlns:a16="http://schemas.microsoft.com/office/drawing/2014/main" id="{4CC81618-9391-C641-9371-3B3DA319E029}"/>
+              </a:ext>
+            </a:extLst>
+          </p:cNvPr>
+          <p:cNvSpPr/>
+          <p:nvPr/>
+        </p:nvSpPr>
+        <p:spPr>
+          <a:xfrm>
+            <a:off x="5667420" y="3009971"/>
+            <a:ext cx="6096000" cy="646331"/>
+          </a:xfrm>
+          <a:prstGeom prst="rect">
+            <a:avLst/>
+          </a:prstGeom>
+        </p:spPr>
+        <p:txBody>
+          <a:bodyPr>
+            <a:spAutoFit/>
+          </a:bodyPr>
+          <a:lstStyle/>
+          <a:p>
+            <a:r>
+              <a:rPr lang="zh-CN" altLang="en-US" dirty="0"/>
+              <a:t>﻿应用程序类加载器（Application ClassLoader）：这个类加载器由sun.misc.Launcher</a:t>
+            </a:r>
+          </a:p>
+        </p:txBody>
+      </p:sp>
+    </p:spTree>
+    <p:extLst>
+      <p:ext uri="{BB962C8B-B14F-4D97-AF65-F5344CB8AC3E}">
+        <p14:creationId xmlns:p14="http://schemas.microsoft.com/office/powerpoint/2010/main" val="1812291288"/>
+      </p:ext>
+    </p:extLst>
+  </p:cSld>
+  <p:clrMapOvr>
+    <a:masterClrMapping/>
+  </p:clrMapOvr>
+</p:sld>
+</file>
+
 <file path=ppt/slides/slide2.xml><?xml version="1.0" encoding="utf-8"?>
 <p:sld xmlns:a="http://schemas.openxmlformats.org/drawingml/2006/main" xmlns:r="http://schemas.openxmlformats.org/officeDocument/2006/relationships" xmlns:p="http://schemas.openxmlformats.org/presentationml/2006/main">
   <p:cSld>
@@ -3695,6 +4759,14 @@
 <file path=ppt/slides/slide4.xml><?xml version="1.0" encoding="utf-8"?>
 <p:sld xmlns:a="http://schemas.openxmlformats.org/drawingml/2006/main" xmlns:r="http://schemas.openxmlformats.org/officeDocument/2006/relationships" xmlns:p="http://schemas.openxmlformats.org/presentationml/2006/main">
   <p:cSld>
+    <p:bg>
+      <p:bgPr>
+        <a:solidFill>
+          <a:schemeClr val="bg1"/>
+        </a:solidFill>
+        <a:effectLst/>
+      </p:bgPr>
+    </p:bg>
     <p:spTree>
       <p:nvGrpSpPr>
         <p:cNvPr id="1" name=""/>
@@ -3711,41 +4783,130 @@
       </p:grpSpPr>
       <p:sp>
         <p:nvSpPr>
-          <p:cNvPr id="4" name="文本框 3">
-            <a:extLst>
-              <a:ext uri="{FF2B5EF4-FFF2-40B4-BE49-F238E27FC236}">
-                <a16:creationId xmlns:a16="http://schemas.microsoft.com/office/drawing/2014/main" id="{4433B13C-CFC0-CD4A-BD7F-BD1881001A1E}"/>
-              </a:ext>
-            </a:extLst>
-          </p:cNvPr>
-          <p:cNvSpPr txBox="1"/>
-          <p:nvPr/>
+          <p:cNvPr id="10" name="Rectangle 9">
+            <a:extLst>
+              <a:ext uri="{FF2B5EF4-FFF2-40B4-BE49-F238E27FC236}">
+                <a16:creationId xmlns:a16="http://schemas.microsoft.com/office/drawing/2014/main" id="{32BC26D8-82FB-445E-AA49-62A77D7C1EE0}"/>
+              </a:ext>
+              <a:ext uri="{C183D7F6-B498-43B3-948B-1728B52AA6E4}">
+                <adec:decorative xmlns:adec="http://schemas.microsoft.com/office/drawing/2017/decorative" val="1"/>
+              </a:ext>
+            </a:extLst>
+          </p:cNvPr>
+          <p:cNvSpPr>
+            <a:spLocks noGrp="1" noRot="1" noChangeAspect="1" noMove="1" noResize="1" noEditPoints="1" noAdjustHandles="1" noChangeArrowheads="1" noChangeShapeType="1" noTextEdit="1"/>
+          </p:cNvSpPr>
+          <p:nvPr>
+            <p:extLst>
+              <p:ext uri="{386F3935-93C4-4BCD-93E2-E3B085C9AB24}">
+                <p16:designElem xmlns:p16="http://schemas.microsoft.com/office/powerpoint/2015/main" val="1"/>
+              </p:ext>
+            </p:extLst>
+          </p:nvPr>
         </p:nvSpPr>
         <p:spPr>
           <a:xfrm>
             <a:off x="0" y="0"/>
-            <a:ext cx="2372765" cy="369332"/>
+            <a:ext cx="12192000" cy="6858000"/>
           </a:xfrm>
           <a:prstGeom prst="rect">
             <a:avLst/>
           </a:prstGeom>
-          <a:noFill/>
-        </p:spPr>
-        <p:txBody>
-          <a:bodyPr wrap="none" rtlCol="0">
-            <a:spAutoFit/>
-          </a:bodyPr>
-          <a:lstStyle/>
-          <a:p>
-            <a:r>
-              <a:rPr kumimoji="1" lang="en-US" altLang="zh-CN" dirty="0"/>
-              <a:t>Android</a:t>
-            </a:r>
-            <a:r>
-              <a:rPr kumimoji="1" lang="zh-CN" altLang="en-US" dirty="0"/>
-              <a:t>系统启动流程</a:t>
-            </a:r>
-            <a:endParaRPr kumimoji="1" lang="en-US" altLang="zh-CN" dirty="0"/>
+          <a:solidFill>
+            <a:schemeClr val="tx1">
+              <a:lumMod val="65000"/>
+              <a:lumOff val="35000"/>
+            </a:schemeClr>
+          </a:solidFill>
+          <a:ln>
+            <a:noFill/>
+          </a:ln>
+        </p:spPr>
+        <p:style>
+          <a:lnRef idx="2">
+            <a:schemeClr val="accent1">
+              <a:shade val="50000"/>
+            </a:schemeClr>
+          </a:lnRef>
+          <a:fillRef idx="1">
+            <a:schemeClr val="accent1"/>
+          </a:fillRef>
+          <a:effectRef idx="0">
+            <a:schemeClr val="accent1"/>
+          </a:effectRef>
+          <a:fontRef idx="minor">
+            <a:schemeClr val="lt1"/>
+          </a:fontRef>
+        </p:style>
+        <p:txBody>
+          <a:bodyPr rtlCol="0" anchor="ctr"/>
+          <a:lstStyle/>
+          <a:p>
+            <a:pPr algn="ctr"/>
+            <a:endParaRPr lang="en-US"/>
+          </a:p>
+        </p:txBody>
+      </p:sp>
+      <p:sp>
+        <p:nvSpPr>
+          <p:cNvPr id="12" name="Rectangle 11">
+            <a:extLst>
+              <a:ext uri="{FF2B5EF4-FFF2-40B4-BE49-F238E27FC236}">
+                <a16:creationId xmlns:a16="http://schemas.microsoft.com/office/drawing/2014/main" id="{CB44330D-EA18-4254-AA95-EB49948539B8}"/>
+              </a:ext>
+              <a:ext uri="{C183D7F6-B498-43B3-948B-1728B52AA6E4}">
+                <adec:decorative xmlns:adec="http://schemas.microsoft.com/office/drawing/2017/decorative" val="1"/>
+              </a:ext>
+            </a:extLst>
+          </p:cNvPr>
+          <p:cNvSpPr>
+            <a:spLocks noGrp="1" noRot="1" noChangeAspect="1" noMove="1" noResize="1" noEditPoints="1" noAdjustHandles="1" noChangeArrowheads="1" noChangeShapeType="1" noTextEdit="1"/>
+          </p:cNvSpPr>
+          <p:nvPr>
+            <p:extLst>
+              <p:ext uri="{386F3935-93C4-4BCD-93E2-E3B085C9AB24}">
+                <p16:designElem xmlns:p16="http://schemas.microsoft.com/office/powerpoint/2015/main" val="1"/>
+              </p:ext>
+            </p:extLst>
+          </p:nvPr>
+        </p:nvSpPr>
+        <p:spPr>
+          <a:xfrm>
+            <a:off x="477012" y="480060"/>
+            <a:ext cx="11237976" cy="5897880"/>
+          </a:xfrm>
+          <a:prstGeom prst="rect">
+            <a:avLst/>
+          </a:prstGeom>
+          <a:solidFill>
+            <a:srgbClr val="FFFFFF"/>
+          </a:solidFill>
+          <a:ln>
+            <a:noFill/>
+          </a:ln>
+        </p:spPr>
+        <p:style>
+          <a:lnRef idx="2">
+            <a:schemeClr val="accent1">
+              <a:shade val="50000"/>
+            </a:schemeClr>
+          </a:lnRef>
+          <a:fillRef idx="1">
+            <a:schemeClr val="accent1"/>
+          </a:fillRef>
+          <a:effectRef idx="0">
+            <a:schemeClr val="accent1"/>
+          </a:effectRef>
+          <a:fontRef idx="minor">
+            <a:schemeClr val="lt1"/>
+          </a:fontRef>
+        </p:style>
+        <p:txBody>
+          <a:bodyPr rtlCol="0" anchor="ctr"/>
+          <a:lstStyle/>
+          <a:p>
+            <a:pPr algn="ctr"/>
+            <a:endParaRPr lang="en-US"/>
           </a:p>
         </p:txBody>
       </p:sp>
@@ -3771,8 +4932,300 @@
         </p:blipFill>
         <p:spPr>
           <a:xfrm>
-            <a:off x="0" y="369332"/>
-            <a:ext cx="8723176" cy="6488668"/>
+            <a:off x="2357028" y="643467"/>
+            <a:ext cx="7477943" cy="5571066"/>
+          </a:xfrm>
+          <a:prstGeom prst="rect">
+            <a:avLst/>
+          </a:prstGeom>
+        </p:spPr>
+      </p:pic>
+      <p:sp>
+        <p:nvSpPr>
+          <p:cNvPr id="4" name="文本框 3">
+            <a:extLst>
+              <a:ext uri="{FF2B5EF4-FFF2-40B4-BE49-F238E27FC236}">
+                <a16:creationId xmlns:a16="http://schemas.microsoft.com/office/drawing/2014/main" id="{4433B13C-CFC0-CD4A-BD7F-BD1881001A1E}"/>
+              </a:ext>
+            </a:extLst>
+          </p:cNvPr>
+          <p:cNvSpPr txBox="1"/>
+          <p:nvPr/>
+        </p:nvSpPr>
+        <p:spPr>
+          <a:xfrm>
+            <a:off x="0" y="0"/>
+            <a:ext cx="2372765" cy="369332"/>
+          </a:xfrm>
+          <a:prstGeom prst="rect">
+            <a:avLst/>
+          </a:prstGeom>
+          <a:noFill/>
+        </p:spPr>
+        <p:txBody>
+          <a:bodyPr wrap="none" rtlCol="0">
+            <a:spAutoFit/>
+          </a:bodyPr>
+          <a:lstStyle/>
+          <a:p>
+            <a:pPr>
+              <a:spcAft>
+                <a:spcPts val="600"/>
+              </a:spcAft>
+            </a:pPr>
+            <a:r>
+              <a:rPr kumimoji="1" lang="en-US" altLang="zh-CN" dirty="0"/>
+              <a:t>Android</a:t>
+            </a:r>
+            <a:r>
+              <a:rPr kumimoji="1" lang="zh-CN" altLang="en-US" dirty="0"/>
+              <a:t>系统启动流程</a:t>
+            </a:r>
+            <a:endParaRPr kumimoji="1" lang="en-US" altLang="zh-CN"/>
+          </a:p>
+        </p:txBody>
+      </p:sp>
+    </p:spTree>
+    <p:extLst>
+      <p:ext uri="{BB962C8B-B14F-4D97-AF65-F5344CB8AC3E}">
+        <p14:creationId xmlns:p14="http://schemas.microsoft.com/office/powerpoint/2010/main" val="530164242"/>
+      </p:ext>
+    </p:extLst>
+  </p:cSld>
+  <p:clrMapOvr>
+    <a:masterClrMapping/>
+  </p:clrMapOvr>
+</p:sld>
+</file>
+
+<file path=ppt/slides/slide5.xml><?xml version="1.0" encoding="utf-8"?>
+<p:sld xmlns:a="http://schemas.openxmlformats.org/drawingml/2006/main" xmlns:r="http://schemas.openxmlformats.org/officeDocument/2006/relationships" xmlns:p="http://schemas.openxmlformats.org/presentationml/2006/main">
+  <p:cSld>
+    <p:spTree>
+      <p:nvGrpSpPr>
+        <p:cNvPr id="1" name=""/>
+        <p:cNvGrpSpPr/>
+        <p:nvPr/>
+      </p:nvGrpSpPr>
+      <p:grpSpPr>
+        <a:xfrm>
+          <a:off x="0" y="0"/>
+          <a:ext cx="0" cy="0"/>
+          <a:chOff x="0" y="0"/>
+          <a:chExt cx="0" cy="0"/>
+        </a:xfrm>
+      </p:grpSpPr>
+      <p:sp>
+        <p:nvSpPr>
+          <p:cNvPr id="4" name="矩形 3">
+            <a:extLst>
+              <a:ext uri="{FF2B5EF4-FFF2-40B4-BE49-F238E27FC236}">
+                <a16:creationId xmlns:a16="http://schemas.microsoft.com/office/drawing/2014/main" id="{AF41D56A-EEFA-954C-A47A-6C8B2DC3E3DF}"/>
+              </a:ext>
+            </a:extLst>
+          </p:cNvPr>
+          <p:cNvSpPr/>
+          <p:nvPr/>
+        </p:nvSpPr>
+        <p:spPr>
+          <a:xfrm>
+            <a:off x="0" y="0"/>
+            <a:ext cx="5262979" cy="369332"/>
+          </a:xfrm>
+          <a:prstGeom prst="rect">
+            <a:avLst/>
+          </a:prstGeom>
+        </p:spPr>
+        <p:txBody>
+          <a:bodyPr wrap="none">
+            <a:spAutoFit/>
+          </a:bodyPr>
+          <a:lstStyle/>
+          <a:p>
+            <a:r>
+              <a:rPr lang="zh-CN" altLang="en-US" dirty="0"/>
+              <a:t>二叉树的深度优先遍历和广度优先遍历的具体实现</a:t>
+            </a:r>
+          </a:p>
+        </p:txBody>
+      </p:sp>
+      <p:sp>
+        <p:nvSpPr>
+          <p:cNvPr id="5" name="矩形 4">
+            <a:extLst>
+              <a:ext uri="{FF2B5EF4-FFF2-40B4-BE49-F238E27FC236}">
+                <a16:creationId xmlns:a16="http://schemas.microsoft.com/office/drawing/2014/main" id="{5F0ECBC4-01F5-7343-A1F8-00C0F519174B}"/>
+              </a:ext>
+            </a:extLst>
+          </p:cNvPr>
+          <p:cNvSpPr/>
+          <p:nvPr/>
+        </p:nvSpPr>
+        <p:spPr>
+          <a:xfrm>
+            <a:off x="-1" y="575395"/>
+            <a:ext cx="12192001" cy="646331"/>
+          </a:xfrm>
+          <a:prstGeom prst="rect">
+            <a:avLst/>
+          </a:prstGeom>
+        </p:spPr>
+        <p:txBody>
+          <a:bodyPr wrap="square">
+            <a:spAutoFit/>
+          </a:bodyPr>
+          <a:lstStyle/>
+          <a:p>
+            <a:r>
+              <a:rPr lang="zh-CN" altLang="en-US" dirty="0">
+                <a:solidFill>
+                  <a:srgbClr val="4D4D4D"/>
+                </a:solidFill>
+                <a:latin typeface="Microsoft YaHei" panose="020B0503020204020204" pitchFamily="34" charset="-122"/>
+                <a:ea typeface="Microsoft YaHei" panose="020B0503020204020204" pitchFamily="34" charset="-122"/>
+              </a:rPr>
+              <a:t>深度优先遍历：对每一个可能的分支路径深入到不能再深入为止，而且每个结点只能访问一次。要特别注意的是，二叉树的深度优先遍历比较特殊，可以细分为先序遍历、中序遍历、后序遍历。具体说明如下：</a:t>
+            </a:r>
+            <a:endParaRPr lang="zh-CN" altLang="en-US" dirty="0"/>
+          </a:p>
+        </p:txBody>
+      </p:sp>
+      <p:sp>
+        <p:nvSpPr>
+          <p:cNvPr id="7" name="矩形 6">
+            <a:extLst>
+              <a:ext uri="{FF2B5EF4-FFF2-40B4-BE49-F238E27FC236}">
+                <a16:creationId xmlns:a16="http://schemas.microsoft.com/office/drawing/2014/main" id="{4FB3F639-9BB6-384C-93E3-CC3402806780}"/>
+              </a:ext>
+            </a:extLst>
+          </p:cNvPr>
+          <p:cNvSpPr/>
+          <p:nvPr/>
+        </p:nvSpPr>
+        <p:spPr>
+          <a:xfrm>
+            <a:off x="0" y="1427789"/>
+            <a:ext cx="12192000" cy="369332"/>
+          </a:xfrm>
+          <a:prstGeom prst="rect">
+            <a:avLst/>
+          </a:prstGeom>
+        </p:spPr>
+        <p:txBody>
+          <a:bodyPr wrap="square">
+            <a:spAutoFit/>
+          </a:bodyPr>
+          <a:lstStyle/>
+          <a:p>
+            <a:r>
+              <a:rPr lang="zh-CN" altLang="en-US" dirty="0">
+                <a:solidFill>
+                  <a:srgbClr val="4D4D4D"/>
+                </a:solidFill>
+                <a:latin typeface="Microsoft YaHei" panose="020B0503020204020204" pitchFamily="34" charset="-122"/>
+                <a:ea typeface="Microsoft YaHei" panose="020B0503020204020204" pitchFamily="34" charset="-122"/>
+              </a:rPr>
+              <a:t>先序遍历：对任一子树，先访问根，然后遍历其左子树，最后遍历其右子树。</a:t>
+            </a:r>
+            <a:endParaRPr lang="zh-CN" altLang="en-US" dirty="0"/>
+          </a:p>
+        </p:txBody>
+      </p:sp>
+      <p:sp>
+        <p:nvSpPr>
+          <p:cNvPr id="8" name="矩形 7">
+            <a:extLst>
+              <a:ext uri="{FF2B5EF4-FFF2-40B4-BE49-F238E27FC236}">
+                <a16:creationId xmlns:a16="http://schemas.microsoft.com/office/drawing/2014/main" id="{267FABA9-AFAA-384F-AC4D-5A38AB7836D7}"/>
+              </a:ext>
+            </a:extLst>
+          </p:cNvPr>
+          <p:cNvSpPr/>
+          <p:nvPr/>
+        </p:nvSpPr>
+        <p:spPr>
+          <a:xfrm>
+            <a:off x="124495" y="4009053"/>
+            <a:ext cx="12067504" cy="369332"/>
+          </a:xfrm>
+          <a:prstGeom prst="rect">
+            <a:avLst/>
+          </a:prstGeom>
+        </p:spPr>
+        <p:txBody>
+          <a:bodyPr wrap="square">
+            <a:spAutoFit/>
+          </a:bodyPr>
+          <a:lstStyle/>
+          <a:p>
+            <a:r>
+              <a:rPr lang="zh-CN" altLang="en-US" dirty="0">
+                <a:solidFill>
+                  <a:srgbClr val="4D4D4D"/>
+                </a:solidFill>
+                <a:latin typeface="Microsoft YaHei" panose="020B0503020204020204" pitchFamily="34" charset="-122"/>
+                <a:ea typeface="Microsoft YaHei" panose="020B0503020204020204" pitchFamily="34" charset="-122"/>
+              </a:rPr>
+              <a:t>中序遍历：对任一子树，先遍历其左子树，然后访问根，最后遍历其右子树。</a:t>
+            </a:r>
+            <a:endParaRPr lang="zh-CN" altLang="en-US" dirty="0"/>
+          </a:p>
+        </p:txBody>
+      </p:sp>
+      <p:pic>
+        <p:nvPicPr>
+          <p:cNvPr id="10" name="图片 9">
+            <a:extLst>
+              <a:ext uri="{FF2B5EF4-FFF2-40B4-BE49-F238E27FC236}">
+                <a16:creationId xmlns:a16="http://schemas.microsoft.com/office/drawing/2014/main" id="{9519A1DD-256F-6C49-9225-EA680A04221E}"/>
+              </a:ext>
+            </a:extLst>
+          </p:cNvPr>
+          <p:cNvPicPr>
+            <a:picLocks noChangeAspect="1"/>
+          </p:cNvPicPr>
+          <p:nvPr/>
+        </p:nvPicPr>
+        <p:blipFill>
+          <a:blip r:embed="rId2"/>
+          <a:stretch>
+            <a:fillRect/>
+          </a:stretch>
+        </p:blipFill>
+        <p:spPr>
+          <a:xfrm>
+            <a:off x="261690" y="1776460"/>
+            <a:ext cx="5519465" cy="2232593"/>
+          </a:xfrm>
+          <a:prstGeom prst="rect">
+            <a:avLst/>
+          </a:prstGeom>
+        </p:spPr>
+      </p:pic>
+      <p:pic>
+        <p:nvPicPr>
+          <p:cNvPr id="11" name="图片 10">
+            <a:extLst>
+              <a:ext uri="{FF2B5EF4-FFF2-40B4-BE49-F238E27FC236}">
+                <a16:creationId xmlns:a16="http://schemas.microsoft.com/office/drawing/2014/main" id="{D1859409-DB6F-EB4D-9B41-D69972706755}"/>
+              </a:ext>
+            </a:extLst>
+          </p:cNvPr>
+          <p:cNvPicPr>
+            <a:picLocks noChangeAspect="1"/>
+          </p:cNvPicPr>
+          <p:nvPr/>
+        </p:nvPicPr>
+        <p:blipFill>
+          <a:blip r:embed="rId3"/>
+          <a:stretch>
+            <a:fillRect/>
+          </a:stretch>
+        </p:blipFill>
+        <p:spPr>
+          <a:xfrm>
+            <a:off x="261690" y="4378385"/>
+            <a:ext cx="5500413" cy="2232593"/>
           </a:xfrm>
           <a:prstGeom prst="rect">
             <a:avLst/>
@@ -3782,7 +5235,1424 @@
     </p:spTree>
     <p:extLst>
       <p:ext uri="{BB962C8B-B14F-4D97-AF65-F5344CB8AC3E}">
-        <p14:creationId xmlns:p14="http://schemas.microsoft.com/office/powerpoint/2010/main" val="530164242"/>
+        <p14:creationId xmlns:p14="http://schemas.microsoft.com/office/powerpoint/2010/main" val="1803003250"/>
+      </p:ext>
+    </p:extLst>
+  </p:cSld>
+  <p:clrMapOvr>
+    <a:masterClrMapping/>
+  </p:clrMapOvr>
+</p:sld>
+</file>
+
+<file path=ppt/slides/slide6.xml><?xml version="1.0" encoding="utf-8"?>
+<p:sld xmlns:a="http://schemas.openxmlformats.org/drawingml/2006/main" xmlns:r="http://schemas.openxmlformats.org/officeDocument/2006/relationships" xmlns:p="http://schemas.openxmlformats.org/presentationml/2006/main">
+  <p:cSld>
+    <p:spTree>
+      <p:nvGrpSpPr>
+        <p:cNvPr id="1" name=""/>
+        <p:cNvGrpSpPr/>
+        <p:nvPr/>
+      </p:nvGrpSpPr>
+      <p:grpSpPr>
+        <a:xfrm>
+          <a:off x="0" y="0"/>
+          <a:ext cx="0" cy="0"/>
+          <a:chOff x="0" y="0"/>
+          <a:chExt cx="0" cy="0"/>
+        </a:xfrm>
+      </p:grpSpPr>
+      <p:sp>
+        <p:nvSpPr>
+          <p:cNvPr id="4" name="矩形 3">
+            <a:extLst>
+              <a:ext uri="{FF2B5EF4-FFF2-40B4-BE49-F238E27FC236}">
+                <a16:creationId xmlns:a16="http://schemas.microsoft.com/office/drawing/2014/main" id="{EBC9FFCA-D235-5841-9E8D-EA1D7AECAEA9}"/>
+              </a:ext>
+            </a:extLst>
+          </p:cNvPr>
+          <p:cNvSpPr/>
+          <p:nvPr/>
+        </p:nvSpPr>
+        <p:spPr>
+          <a:xfrm>
+            <a:off x="124495" y="25232"/>
+            <a:ext cx="12191999" cy="369332"/>
+          </a:xfrm>
+          <a:prstGeom prst="rect">
+            <a:avLst/>
+          </a:prstGeom>
+        </p:spPr>
+        <p:txBody>
+          <a:bodyPr wrap="square">
+            <a:spAutoFit/>
+          </a:bodyPr>
+          <a:lstStyle/>
+          <a:p>
+            <a:r>
+              <a:rPr lang="zh-CN" altLang="en-US" dirty="0">
+                <a:solidFill>
+                  <a:srgbClr val="4D4D4D"/>
+                </a:solidFill>
+                <a:latin typeface="Microsoft YaHei" panose="020B0503020204020204" pitchFamily="34" charset="-122"/>
+                <a:ea typeface="Microsoft YaHei" panose="020B0503020204020204" pitchFamily="34" charset="-122"/>
+              </a:rPr>
+              <a:t>后序遍历：对任一子树，先遍历其左子树，然后遍历其右子树，最后访问根。</a:t>
+            </a:r>
+            <a:endParaRPr lang="zh-CN" altLang="en-US" dirty="0"/>
+          </a:p>
+        </p:txBody>
+      </p:sp>
+      <p:pic>
+        <p:nvPicPr>
+          <p:cNvPr id="5" name="图片 4">
+            <a:extLst>
+              <a:ext uri="{FF2B5EF4-FFF2-40B4-BE49-F238E27FC236}">
+                <a16:creationId xmlns:a16="http://schemas.microsoft.com/office/drawing/2014/main" id="{63B5276D-E5AD-DA4F-A6BB-D82DFC6BCE2D}"/>
+              </a:ext>
+            </a:extLst>
+          </p:cNvPr>
+          <p:cNvPicPr>
+            <a:picLocks noChangeAspect="1"/>
+          </p:cNvPicPr>
+          <p:nvPr/>
+        </p:nvPicPr>
+        <p:blipFill>
+          <a:blip r:embed="rId2"/>
+          <a:stretch>
+            <a:fillRect/>
+          </a:stretch>
+        </p:blipFill>
+        <p:spPr>
+          <a:xfrm>
+            <a:off x="204996" y="394562"/>
+            <a:ext cx="5312419" cy="2065303"/>
+          </a:xfrm>
+          <a:prstGeom prst="rect">
+            <a:avLst/>
+          </a:prstGeom>
+        </p:spPr>
+      </p:pic>
+      <p:sp>
+        <p:nvSpPr>
+          <p:cNvPr id="6" name="矩形 5">
+            <a:extLst>
+              <a:ext uri="{FF2B5EF4-FFF2-40B4-BE49-F238E27FC236}">
+                <a16:creationId xmlns:a16="http://schemas.microsoft.com/office/drawing/2014/main" id="{E3D31AA3-996B-F846-9965-47E7B7038C66}"/>
+              </a:ext>
+            </a:extLst>
+          </p:cNvPr>
+          <p:cNvSpPr/>
+          <p:nvPr/>
+        </p:nvSpPr>
+        <p:spPr>
+          <a:xfrm>
+            <a:off x="-1" y="2709758"/>
+            <a:ext cx="12192001" cy="646331"/>
+          </a:xfrm>
+          <a:prstGeom prst="rect">
+            <a:avLst/>
+          </a:prstGeom>
+        </p:spPr>
+        <p:txBody>
+          <a:bodyPr wrap="square">
+            <a:spAutoFit/>
+          </a:bodyPr>
+          <a:lstStyle/>
+          <a:p>
+            <a:r>
+              <a:rPr lang="zh-CN" altLang="en-US" dirty="0">
+                <a:solidFill>
+                  <a:srgbClr val="4D4D4D"/>
+                </a:solidFill>
+                <a:latin typeface="Microsoft YaHei" panose="020B0503020204020204" pitchFamily="34" charset="-122"/>
+                <a:ea typeface="Microsoft YaHei" panose="020B0503020204020204" pitchFamily="34" charset="-122"/>
+              </a:rPr>
+              <a:t>广度优先遍历：又叫层次遍历，从上往下对每一层依次访问，在每一层中，从左往右（也可以从右往左）访问结点，访问完一层就进入下一层，直到没有结点可以访问为止。</a:t>
+            </a:r>
+            <a:endParaRPr lang="zh-CN" altLang="en-US" dirty="0"/>
+          </a:p>
+        </p:txBody>
+      </p:sp>
+      <p:pic>
+        <p:nvPicPr>
+          <p:cNvPr id="7" name="图片 6">
+            <a:extLst>
+              <a:ext uri="{FF2B5EF4-FFF2-40B4-BE49-F238E27FC236}">
+                <a16:creationId xmlns:a16="http://schemas.microsoft.com/office/drawing/2014/main" id="{D644F841-0ECD-564E-ABAF-9EC4EFABFA11}"/>
+              </a:ext>
+            </a:extLst>
+          </p:cNvPr>
+          <p:cNvPicPr>
+            <a:picLocks noChangeAspect="1"/>
+          </p:cNvPicPr>
+          <p:nvPr/>
+        </p:nvPicPr>
+        <p:blipFill>
+          <a:blip r:embed="rId3"/>
+          <a:stretch>
+            <a:fillRect/>
+          </a:stretch>
+        </p:blipFill>
+        <p:spPr>
+          <a:xfrm>
+            <a:off x="124495" y="3356089"/>
+            <a:ext cx="4640688" cy="3442836"/>
+          </a:xfrm>
+          <a:prstGeom prst="rect">
+            <a:avLst/>
+          </a:prstGeom>
+        </p:spPr>
+      </p:pic>
+    </p:spTree>
+    <p:extLst>
+      <p:ext uri="{BB962C8B-B14F-4D97-AF65-F5344CB8AC3E}">
+        <p14:creationId xmlns:p14="http://schemas.microsoft.com/office/powerpoint/2010/main" val="1758486654"/>
+      </p:ext>
+    </p:extLst>
+  </p:cSld>
+  <p:clrMapOvr>
+    <a:masterClrMapping/>
+  </p:clrMapOvr>
+</p:sld>
+</file>
+
+<file path=ppt/slides/slide7.xml><?xml version="1.0" encoding="utf-8"?>
+<p:sld xmlns:a="http://schemas.openxmlformats.org/drawingml/2006/main" xmlns:r="http://schemas.openxmlformats.org/officeDocument/2006/relationships" xmlns:p="http://schemas.openxmlformats.org/presentationml/2006/main">
+  <p:cSld>
+    <p:bg>
+      <p:bgPr>
+        <a:solidFill>
+          <a:schemeClr val="bg1"/>
+        </a:solidFill>
+        <a:effectLst/>
+      </p:bgPr>
+    </p:bg>
+    <p:spTree>
+      <p:nvGrpSpPr>
+        <p:cNvPr id="1" name=""/>
+        <p:cNvGrpSpPr/>
+        <p:nvPr/>
+      </p:nvGrpSpPr>
+      <p:grpSpPr>
+        <a:xfrm>
+          <a:off x="0" y="0"/>
+          <a:ext cx="0" cy="0"/>
+          <a:chOff x="0" y="0"/>
+          <a:chExt cx="0" cy="0"/>
+        </a:xfrm>
+      </p:grpSpPr>
+      <p:sp>
+        <p:nvSpPr>
+          <p:cNvPr id="10" name="Rectangle 9">
+            <a:extLst>
+              <a:ext uri="{FF2B5EF4-FFF2-40B4-BE49-F238E27FC236}">
+                <a16:creationId xmlns:a16="http://schemas.microsoft.com/office/drawing/2014/main" id="{F3060C83-F051-4F0E-ABAD-AA0DFC48B218}"/>
+              </a:ext>
+              <a:ext uri="{C183D7F6-B498-43B3-948B-1728B52AA6E4}">
+                <adec:decorative xmlns:adec="http://schemas.microsoft.com/office/drawing/2017/decorative" val="1"/>
+              </a:ext>
+            </a:extLst>
+          </p:cNvPr>
+          <p:cNvSpPr>
+            <a:spLocks noGrp="1" noRot="1" noChangeAspect="1" noMove="1" noResize="1" noEditPoints="1" noAdjustHandles="1" noChangeArrowheads="1" noChangeShapeType="1" noTextEdit="1"/>
+          </p:cNvSpPr>
+          <p:nvPr>
+            <p:extLst>
+              <p:ext uri="{386F3935-93C4-4BCD-93E2-E3B085C9AB24}">
+                <p16:designElem xmlns:p16="http://schemas.microsoft.com/office/powerpoint/2015/main" val="1"/>
+              </p:ext>
+            </p:extLst>
+          </p:nvPr>
+        </p:nvSpPr>
+        <p:spPr>
+          <a:xfrm>
+            <a:off x="0" y="0"/>
+            <a:ext cx="12192000" cy="6858000"/>
+          </a:xfrm>
+          <a:prstGeom prst="rect">
+            <a:avLst/>
+          </a:prstGeom>
+          <a:solidFill>
+            <a:schemeClr val="bg1"/>
+          </a:solidFill>
+          <a:ln>
+            <a:noFill/>
+          </a:ln>
+        </p:spPr>
+        <p:style>
+          <a:lnRef idx="2">
+            <a:schemeClr val="accent1">
+              <a:shade val="50000"/>
+            </a:schemeClr>
+          </a:lnRef>
+          <a:fillRef idx="1">
+            <a:schemeClr val="accent1"/>
+          </a:fillRef>
+          <a:effectRef idx="0">
+            <a:schemeClr val="accent1"/>
+          </a:effectRef>
+          <a:fontRef idx="minor">
+            <a:schemeClr val="lt1"/>
+          </a:fontRef>
+        </p:style>
+        <p:txBody>
+          <a:bodyPr rtlCol="0" anchor="ctr"/>
+          <a:lstStyle/>
+          <a:p>
+            <a:pPr algn="ctr"/>
+            <a:endParaRPr lang="en-US" dirty="0"/>
+          </a:p>
+        </p:txBody>
+      </p:sp>
+      <p:sp>
+        <p:nvSpPr>
+          <p:cNvPr id="12" name="Freeform: Shape 11">
+            <a:extLst>
+              <a:ext uri="{FF2B5EF4-FFF2-40B4-BE49-F238E27FC236}">
+                <a16:creationId xmlns:a16="http://schemas.microsoft.com/office/drawing/2014/main" id="{83C98ABE-055B-441F-B07E-44F97F083C39}"/>
+              </a:ext>
+              <a:ext uri="{C183D7F6-B498-43B3-948B-1728B52AA6E4}">
+                <adec:decorative xmlns:adec="http://schemas.microsoft.com/office/drawing/2017/decorative" val="1"/>
+              </a:ext>
+            </a:extLst>
+          </p:cNvPr>
+          <p:cNvSpPr>
+            <a:spLocks noGrp="1" noRot="1" noChangeAspect="1" noMove="1" noResize="1" noEditPoints="1" noAdjustHandles="1" noChangeArrowheads="1" noChangeShapeType="1" noTextEdit="1"/>
+          </p:cNvSpPr>
+          <p:nvPr>
+            <p:extLst>
+              <p:ext uri="{386F3935-93C4-4BCD-93E2-E3B085C9AB24}">
+                <p16:designElem xmlns:p16="http://schemas.microsoft.com/office/powerpoint/2015/main" val="1"/>
+              </p:ext>
+            </p:extLst>
+          </p:nvPr>
+        </p:nvSpPr>
+        <p:spPr>
+          <a:xfrm rot="18900000" flipH="1">
+            <a:off x="-376156" y="-253670"/>
+            <a:ext cx="1827638" cy="1376989"/>
+          </a:xfrm>
+          <a:custGeom>
+            <a:avLst/>
+            <a:gdLst>
+              <a:gd name="connsiteX0" fmla="*/ 0 w 1827638"/>
+              <a:gd name="connsiteY0" fmla="*/ 987379 h 1376989"/>
+              <a:gd name="connsiteX1" fmla="*/ 987379 w 1827638"/>
+              <a:gd name="connsiteY1" fmla="*/ 0 h 1376989"/>
+              <a:gd name="connsiteX2" fmla="*/ 1827638 w 1827638"/>
+              <a:gd name="connsiteY2" fmla="*/ 840260 h 1376989"/>
+              <a:gd name="connsiteX3" fmla="*/ 1827638 w 1827638"/>
+              <a:gd name="connsiteY3" fmla="*/ 1376989 h 1376989"/>
+              <a:gd name="connsiteX4" fmla="*/ 0 w 1827638"/>
+              <a:gd name="connsiteY4" fmla="*/ 1376989 h 1376989"/>
+            </a:gdLst>
+            <a:ahLst/>
+            <a:cxnLst>
+              <a:cxn ang="0">
+                <a:pos x="connsiteX0" y="connsiteY0"/>
+              </a:cxn>
+              <a:cxn ang="0">
+                <a:pos x="connsiteX1" y="connsiteY1"/>
+              </a:cxn>
+              <a:cxn ang="0">
+                <a:pos x="connsiteX2" y="connsiteY2"/>
+              </a:cxn>
+              <a:cxn ang="0">
+                <a:pos x="connsiteX3" y="connsiteY3"/>
+              </a:cxn>
+              <a:cxn ang="0">
+                <a:pos x="connsiteX4" y="connsiteY4"/>
+              </a:cxn>
+            </a:cxnLst>
+            <a:rect l="l" t="t" r="r" b="b"/>
+            <a:pathLst>
+              <a:path w="1827638" h="1376989">
+                <a:moveTo>
+                  <a:pt x="0" y="987379"/>
+                </a:moveTo>
+                <a:lnTo>
+                  <a:pt x="987379" y="0"/>
+                </a:lnTo>
+                <a:lnTo>
+                  <a:pt x="1827638" y="840260"/>
+                </a:lnTo>
+                <a:lnTo>
+                  <a:pt x="1827638" y="1376989"/>
+                </a:lnTo>
+                <a:lnTo>
+                  <a:pt x="0" y="1376989"/>
+                </a:lnTo>
+                <a:close/>
+              </a:path>
+            </a:pathLst>
+          </a:custGeom>
+          <a:solidFill>
+            <a:schemeClr val="accent1">
+              <a:alpha val="30000"/>
+            </a:schemeClr>
+          </a:solidFill>
+          <a:ln>
+            <a:noFill/>
+          </a:ln>
+        </p:spPr>
+        <p:style>
+          <a:lnRef idx="2">
+            <a:schemeClr val="accent1">
+              <a:shade val="50000"/>
+            </a:schemeClr>
+          </a:lnRef>
+          <a:fillRef idx="1">
+            <a:schemeClr val="accent1"/>
+          </a:fillRef>
+          <a:effectRef idx="0">
+            <a:schemeClr val="accent1"/>
+          </a:effectRef>
+          <a:fontRef idx="minor">
+            <a:schemeClr val="lt1"/>
+          </a:fontRef>
+        </p:style>
+        <p:txBody>
+          <a:bodyPr rtlCol="0" anchor="ctr"/>
+          <a:lstStyle/>
+          <a:p>
+            <a:pPr algn="ctr"/>
+            <a:endParaRPr lang="en-US" dirty="0"/>
+          </a:p>
+        </p:txBody>
+      </p:sp>
+      <p:sp>
+        <p:nvSpPr>
+          <p:cNvPr id="14" name="Rectangle 13">
+            <a:extLst>
+              <a:ext uri="{FF2B5EF4-FFF2-40B4-BE49-F238E27FC236}">
+                <a16:creationId xmlns:a16="http://schemas.microsoft.com/office/drawing/2014/main" id="{29FDB030-9B49-4CED-8CCD-4D99382388AC}"/>
+              </a:ext>
+              <a:ext uri="{C183D7F6-B498-43B3-948B-1728B52AA6E4}">
+                <adec:decorative xmlns:adec="http://schemas.microsoft.com/office/drawing/2017/decorative" val="1"/>
+              </a:ext>
+            </a:extLst>
+          </p:cNvPr>
+          <p:cNvSpPr>
+            <a:spLocks noGrp="1" noRot="1" noChangeAspect="1" noMove="1" noResize="1" noEditPoints="1" noAdjustHandles="1" noChangeArrowheads="1" noChangeShapeType="1" noTextEdit="1"/>
+          </p:cNvSpPr>
+          <p:nvPr>
+            <p:extLst>
+              <p:ext uri="{386F3935-93C4-4BCD-93E2-E3B085C9AB24}">
+                <p16:designElem xmlns:p16="http://schemas.microsoft.com/office/powerpoint/2015/main" val="1"/>
+              </p:ext>
+            </p:extLst>
+          </p:nvPr>
+        </p:nvSpPr>
+        <p:spPr>
+          <a:xfrm rot="18900000" flipH="1">
+            <a:off x="891641" y="422146"/>
+            <a:ext cx="645368" cy="645368"/>
+          </a:xfrm>
+          <a:prstGeom prst="rect">
+            <a:avLst/>
+          </a:prstGeom>
+          <a:solidFill>
+            <a:schemeClr val="accent1">
+              <a:alpha val="30000"/>
+            </a:schemeClr>
+          </a:solidFill>
+          <a:ln>
+            <a:noFill/>
+          </a:ln>
+        </p:spPr>
+        <p:style>
+          <a:lnRef idx="2">
+            <a:schemeClr val="accent1">
+              <a:shade val="50000"/>
+            </a:schemeClr>
+          </a:lnRef>
+          <a:fillRef idx="1">
+            <a:schemeClr val="accent1"/>
+          </a:fillRef>
+          <a:effectRef idx="0">
+            <a:schemeClr val="accent1"/>
+          </a:effectRef>
+          <a:fontRef idx="minor">
+            <a:schemeClr val="lt1"/>
+          </a:fontRef>
+        </p:style>
+        <p:txBody>
+          <a:bodyPr rtlCol="0" anchor="ctr"/>
+          <a:lstStyle/>
+          <a:p>
+            <a:pPr algn="ctr"/>
+            <a:endParaRPr lang="en-US"/>
+          </a:p>
+        </p:txBody>
+      </p:sp>
+      <p:sp>
+        <p:nvSpPr>
+          <p:cNvPr id="16" name="Rectangle 15">
+            <a:extLst>
+              <a:ext uri="{FF2B5EF4-FFF2-40B4-BE49-F238E27FC236}">
+                <a16:creationId xmlns:a16="http://schemas.microsoft.com/office/drawing/2014/main" id="{3783CA14-24A1-485C-8B30-D6A5D87987AD}"/>
+              </a:ext>
+              <a:ext uri="{C183D7F6-B498-43B3-948B-1728B52AA6E4}">
+                <adec:decorative xmlns:adec="http://schemas.microsoft.com/office/drawing/2017/decorative" val="1"/>
+              </a:ext>
+            </a:extLst>
+          </p:cNvPr>
+          <p:cNvSpPr>
+            <a:spLocks noGrp="1" noRot="1" noChangeAspect="1" noMove="1" noResize="1" noEditPoints="1" noAdjustHandles="1" noChangeArrowheads="1" noChangeShapeType="1" noTextEdit="1"/>
+          </p:cNvSpPr>
+          <p:nvPr>
+            <p:extLst>
+              <p:ext uri="{386F3935-93C4-4BCD-93E2-E3B085C9AB24}">
+                <p16:designElem xmlns:p16="http://schemas.microsoft.com/office/powerpoint/2015/main" val="1"/>
+              </p:ext>
+            </p:extLst>
+          </p:nvPr>
+        </p:nvSpPr>
+        <p:spPr>
+          <a:xfrm rot="18900000" flipH="1">
+            <a:off x="10043482" y="655140"/>
+            <a:ext cx="687472" cy="687472"/>
+          </a:xfrm>
+          <a:prstGeom prst="rect">
+            <a:avLst/>
+          </a:prstGeom>
+          <a:solidFill>
+            <a:schemeClr val="accent4">
+              <a:alpha val="30000"/>
+            </a:schemeClr>
+          </a:solidFill>
+          <a:ln>
+            <a:noFill/>
+          </a:ln>
+        </p:spPr>
+        <p:style>
+          <a:lnRef idx="2">
+            <a:schemeClr val="accent1">
+              <a:shade val="50000"/>
+            </a:schemeClr>
+          </a:lnRef>
+          <a:fillRef idx="1">
+            <a:schemeClr val="accent1"/>
+          </a:fillRef>
+          <a:effectRef idx="0">
+            <a:schemeClr val="accent1"/>
+          </a:effectRef>
+          <a:fontRef idx="minor">
+            <a:schemeClr val="lt1"/>
+          </a:fontRef>
+        </p:style>
+        <p:txBody>
+          <a:bodyPr rtlCol="0" anchor="ctr"/>
+          <a:lstStyle/>
+          <a:p>
+            <a:pPr algn="ctr"/>
+            <a:endParaRPr lang="en-US"/>
+          </a:p>
+        </p:txBody>
+      </p:sp>
+      <p:sp>
+        <p:nvSpPr>
+          <p:cNvPr id="18" name="Freeform: Shape 17">
+            <a:extLst>
+              <a:ext uri="{FF2B5EF4-FFF2-40B4-BE49-F238E27FC236}">
+                <a16:creationId xmlns:a16="http://schemas.microsoft.com/office/drawing/2014/main" id="{9A97C86A-04D6-40F7-AE84-31AB43E6A846}"/>
+              </a:ext>
+              <a:ext uri="{C183D7F6-B498-43B3-948B-1728B52AA6E4}">
+                <adec:decorative xmlns:adec="http://schemas.microsoft.com/office/drawing/2017/decorative" val="1"/>
+              </a:ext>
+            </a:extLst>
+          </p:cNvPr>
+          <p:cNvSpPr>
+            <a:spLocks noGrp="1" noRot="1" noChangeAspect="1" noMove="1" noResize="1" noEditPoints="1" noAdjustHandles="1" noChangeArrowheads="1" noChangeShapeType="1" noTextEdit="1"/>
+          </p:cNvSpPr>
+          <p:nvPr>
+            <p:extLst>
+              <p:ext uri="{386F3935-93C4-4BCD-93E2-E3B085C9AB24}">
+                <p16:designElem xmlns:p16="http://schemas.microsoft.com/office/powerpoint/2015/main" val="1"/>
+              </p:ext>
+            </p:extLst>
+          </p:nvPr>
+        </p:nvSpPr>
+        <p:spPr>
+          <a:xfrm rot="10800000" flipH="1">
+            <a:off x="9356643" y="0"/>
+            <a:ext cx="2835357" cy="1480837"/>
+          </a:xfrm>
+          <a:custGeom>
+            <a:avLst/>
+            <a:gdLst>
+              <a:gd name="connsiteX0" fmla="*/ 2835357 w 2835357"/>
+              <a:gd name="connsiteY0" fmla="*/ 1480837 h 1480837"/>
+              <a:gd name="connsiteX1" fmla="*/ 0 w 2835357"/>
+              <a:gd name="connsiteY1" fmla="*/ 1480837 h 1480837"/>
+              <a:gd name="connsiteX2" fmla="*/ 1552727 w 2835357"/>
+              <a:gd name="connsiteY2" fmla="*/ 0 h 1480837"/>
+              <a:gd name="connsiteX3" fmla="*/ 2835357 w 2835357"/>
+              <a:gd name="connsiteY3" fmla="*/ 1223245 h 1480837"/>
+            </a:gdLst>
+            <a:ahLst/>
+            <a:cxnLst>
+              <a:cxn ang="0">
+                <a:pos x="connsiteX0" y="connsiteY0"/>
+              </a:cxn>
+              <a:cxn ang="0">
+                <a:pos x="connsiteX1" y="connsiteY1"/>
+              </a:cxn>
+              <a:cxn ang="0">
+                <a:pos x="connsiteX2" y="connsiteY2"/>
+              </a:cxn>
+              <a:cxn ang="0">
+                <a:pos x="connsiteX3" y="connsiteY3"/>
+              </a:cxn>
+            </a:cxnLst>
+            <a:rect l="l" t="t" r="r" b="b"/>
+            <a:pathLst>
+              <a:path w="2835357" h="1480837">
+                <a:moveTo>
+                  <a:pt x="2835357" y="1480837"/>
+                </a:moveTo>
+                <a:lnTo>
+                  <a:pt x="0" y="1480837"/>
+                </a:lnTo>
+                <a:lnTo>
+                  <a:pt x="1552727" y="0"/>
+                </a:lnTo>
+                <a:lnTo>
+                  <a:pt x="2835357" y="1223245"/>
+                </a:lnTo>
+                <a:close/>
+              </a:path>
+            </a:pathLst>
+          </a:custGeom>
+          <a:solidFill>
+            <a:schemeClr val="accent4">
+              <a:alpha val="30000"/>
+            </a:schemeClr>
+          </a:solidFill>
+          <a:ln>
+            <a:noFill/>
+          </a:ln>
+        </p:spPr>
+        <p:style>
+          <a:lnRef idx="2">
+            <a:schemeClr val="accent1">
+              <a:shade val="50000"/>
+            </a:schemeClr>
+          </a:lnRef>
+          <a:fillRef idx="1">
+            <a:schemeClr val="accent1"/>
+          </a:fillRef>
+          <a:effectRef idx="0">
+            <a:schemeClr val="accent1"/>
+          </a:effectRef>
+          <a:fontRef idx="minor">
+            <a:schemeClr val="lt1"/>
+          </a:fontRef>
+        </p:style>
+        <p:txBody>
+          <a:bodyPr wrap="square" rtlCol="0" anchor="ctr">
+            <a:noAutofit/>
+          </a:bodyPr>
+          <a:lstStyle/>
+          <a:p>
+            <a:pPr algn="ctr"/>
+            <a:endParaRPr lang="en-US" dirty="0"/>
+          </a:p>
+        </p:txBody>
+      </p:sp>
+      <p:sp>
+        <p:nvSpPr>
+          <p:cNvPr id="20" name="Isosceles Triangle 19">
+            <a:extLst>
+              <a:ext uri="{FF2B5EF4-FFF2-40B4-BE49-F238E27FC236}">
+                <a16:creationId xmlns:a16="http://schemas.microsoft.com/office/drawing/2014/main" id="{FF9F2414-84E8-453E-B1F3-389FDE8192D9}"/>
+              </a:ext>
+              <a:ext uri="{C183D7F6-B498-43B3-948B-1728B52AA6E4}">
+                <adec:decorative xmlns:adec="http://schemas.microsoft.com/office/drawing/2017/decorative" val="1"/>
+              </a:ext>
+            </a:extLst>
+          </p:cNvPr>
+          <p:cNvSpPr>
+            <a:spLocks noGrp="1" noRot="1" noChangeAspect="1" noMove="1" noResize="1" noEditPoints="1" noAdjustHandles="1" noChangeArrowheads="1" noChangeShapeType="1" noTextEdit="1"/>
+          </p:cNvSpPr>
+          <p:nvPr>
+            <p:extLst>
+              <p:ext uri="{386F3935-93C4-4BCD-93E2-E3B085C9AB24}">
+                <p16:designElem xmlns:p16="http://schemas.microsoft.com/office/powerpoint/2015/main" val="1"/>
+              </p:ext>
+            </p:extLst>
+          </p:nvPr>
+        </p:nvSpPr>
+        <p:spPr>
+          <a:xfrm flipH="1">
+            <a:off x="7976344" y="6115501"/>
+            <a:ext cx="1494513" cy="742499"/>
+          </a:xfrm>
+          <a:prstGeom prst="triangle">
+            <a:avLst/>
+          </a:prstGeom>
+          <a:solidFill>
+            <a:schemeClr val="accent1">
+              <a:alpha val="30000"/>
+            </a:schemeClr>
+          </a:solidFill>
+          <a:ln>
+            <a:noFill/>
+          </a:ln>
+        </p:spPr>
+        <p:style>
+          <a:lnRef idx="2">
+            <a:schemeClr val="accent1">
+              <a:shade val="50000"/>
+            </a:schemeClr>
+          </a:lnRef>
+          <a:fillRef idx="1">
+            <a:schemeClr val="accent1"/>
+          </a:fillRef>
+          <a:effectRef idx="0">
+            <a:schemeClr val="accent1"/>
+          </a:effectRef>
+          <a:fontRef idx="minor">
+            <a:schemeClr val="lt1"/>
+          </a:fontRef>
+        </p:style>
+        <p:txBody>
+          <a:bodyPr rtlCol="0" anchor="ctr"/>
+          <a:lstStyle/>
+          <a:p>
+            <a:pPr algn="ctr"/>
+            <a:endParaRPr lang="en-US"/>
+          </a:p>
+        </p:txBody>
+      </p:sp>
+      <p:pic>
+        <p:nvPicPr>
+          <p:cNvPr id="5" name="图片 4">
+            <a:extLst>
+              <a:ext uri="{FF2B5EF4-FFF2-40B4-BE49-F238E27FC236}">
+                <a16:creationId xmlns:a16="http://schemas.microsoft.com/office/drawing/2014/main" id="{C8CEE186-AC63-044F-B286-1FF0179C789B}"/>
+              </a:ext>
+            </a:extLst>
+          </p:cNvPr>
+          <p:cNvPicPr>
+            <a:picLocks noChangeAspect="1"/>
+          </p:cNvPicPr>
+          <p:nvPr/>
+        </p:nvPicPr>
+        <p:blipFill>
+          <a:blip r:embed="rId2"/>
+          <a:stretch>
+            <a:fillRect/>
+          </a:stretch>
+        </p:blipFill>
+        <p:spPr>
+          <a:xfrm>
+            <a:off x="3231699" y="643467"/>
+            <a:ext cx="5728602" cy="5571065"/>
+          </a:xfrm>
+          <a:prstGeom prst="rect">
+            <a:avLst/>
+          </a:prstGeom>
+          <a:ln>
+            <a:noFill/>
+          </a:ln>
+        </p:spPr>
+      </p:pic>
+      <p:sp>
+        <p:nvSpPr>
+          <p:cNvPr id="22" name="Isosceles Triangle 21">
+            <a:extLst>
+              <a:ext uri="{FF2B5EF4-FFF2-40B4-BE49-F238E27FC236}">
+                <a16:creationId xmlns:a16="http://schemas.microsoft.com/office/drawing/2014/main" id="{3ECA69A1-7536-43AC-85EF-C7106179F5ED}"/>
+              </a:ext>
+              <a:ext uri="{C183D7F6-B498-43B3-948B-1728B52AA6E4}">
+                <adec:decorative xmlns:adec="http://schemas.microsoft.com/office/drawing/2017/decorative" val="1"/>
+              </a:ext>
+            </a:extLst>
+          </p:cNvPr>
+          <p:cNvSpPr>
+            <a:spLocks noGrp="1" noRot="1" noChangeAspect="1" noMove="1" noResize="1" noEditPoints="1" noAdjustHandles="1" noChangeArrowheads="1" noChangeShapeType="1" noTextEdit="1"/>
+          </p:cNvSpPr>
+          <p:nvPr>
+            <p:extLst>
+              <p:ext uri="{386F3935-93C4-4BCD-93E2-E3B085C9AB24}">
+                <p16:designElem xmlns:p16="http://schemas.microsoft.com/office/powerpoint/2015/main" val="1"/>
+              </p:ext>
+            </p:extLst>
+          </p:nvPr>
+        </p:nvSpPr>
+        <p:spPr>
+          <a:xfrm flipH="1">
+            <a:off x="7604080" y="6453143"/>
+            <a:ext cx="814903" cy="404857"/>
+          </a:xfrm>
+          <a:prstGeom prst="triangle">
+            <a:avLst/>
+          </a:prstGeom>
+          <a:solidFill>
+            <a:schemeClr val="accent1">
+              <a:alpha val="30000"/>
+            </a:schemeClr>
+          </a:solidFill>
+          <a:ln>
+            <a:noFill/>
+          </a:ln>
+        </p:spPr>
+        <p:style>
+          <a:lnRef idx="2">
+            <a:schemeClr val="accent1">
+              <a:shade val="50000"/>
+            </a:schemeClr>
+          </a:lnRef>
+          <a:fillRef idx="1">
+            <a:schemeClr val="accent1"/>
+          </a:fillRef>
+          <a:effectRef idx="0">
+            <a:schemeClr val="accent1"/>
+          </a:effectRef>
+          <a:fontRef idx="minor">
+            <a:schemeClr val="lt1"/>
+          </a:fontRef>
+        </p:style>
+        <p:txBody>
+          <a:bodyPr rtlCol="0" anchor="ctr"/>
+          <a:lstStyle/>
+          <a:p>
+            <a:pPr algn="ctr"/>
+            <a:endParaRPr lang="en-US"/>
+          </a:p>
+        </p:txBody>
+      </p:sp>
+      <p:sp>
+        <p:nvSpPr>
+          <p:cNvPr id="4" name="矩形 3">
+            <a:extLst>
+              <a:ext uri="{FF2B5EF4-FFF2-40B4-BE49-F238E27FC236}">
+                <a16:creationId xmlns:a16="http://schemas.microsoft.com/office/drawing/2014/main" id="{4996C4B6-E2FE-5447-A02A-A785AF989219}"/>
+              </a:ext>
+            </a:extLst>
+          </p:cNvPr>
+          <p:cNvSpPr/>
+          <p:nvPr/>
+        </p:nvSpPr>
+        <p:spPr>
+          <a:xfrm>
+            <a:off x="0" y="0"/>
+            <a:ext cx="2262158" cy="369332"/>
+          </a:xfrm>
+          <a:prstGeom prst="rect">
+            <a:avLst/>
+          </a:prstGeom>
+        </p:spPr>
+        <p:txBody>
+          <a:bodyPr wrap="none">
+            <a:spAutoFit/>
+          </a:bodyPr>
+          <a:lstStyle/>
+          <a:p>
+            <a:pPr>
+              <a:spcAft>
+                <a:spcPts val="600"/>
+              </a:spcAft>
+            </a:pPr>
+            <a:r>
+              <a:rPr lang="zh-CN" altLang="en-US" b="1" dirty="0">
+                <a:solidFill>
+                  <a:srgbClr val="000000"/>
+                </a:solidFill>
+                <a:latin typeface="Microsoft YaHei" panose="020B0503020204020204" pitchFamily="34" charset="-122"/>
+                <a:ea typeface="Microsoft YaHei" panose="020B0503020204020204" pitchFamily="34" charset="-122"/>
+              </a:rPr>
+              <a:t>抽象类和接口的对比</a:t>
+            </a:r>
+            <a:endParaRPr lang="zh-CN" altLang="en-US" b="1">
+              <a:solidFill>
+                <a:srgbClr val="000000"/>
+              </a:solidFill>
+              <a:effectLst/>
+              <a:latin typeface="Microsoft YaHei" panose="020B0503020204020204" pitchFamily="34" charset="-122"/>
+              <a:ea typeface="Microsoft YaHei" panose="020B0503020204020204" pitchFamily="34" charset="-122"/>
+            </a:endParaRPr>
+          </a:p>
+        </p:txBody>
+      </p:sp>
+    </p:spTree>
+    <p:extLst>
+      <p:ext uri="{BB962C8B-B14F-4D97-AF65-F5344CB8AC3E}">
+        <p14:creationId xmlns:p14="http://schemas.microsoft.com/office/powerpoint/2010/main" val="1335569634"/>
+      </p:ext>
+    </p:extLst>
+  </p:cSld>
+  <p:clrMapOvr>
+    <a:masterClrMapping/>
+  </p:clrMapOvr>
+</p:sld>
+</file>
+
+<file path=ppt/slides/slide8.xml><?xml version="1.0" encoding="utf-8"?>
+<p:sld xmlns:a="http://schemas.openxmlformats.org/drawingml/2006/main" xmlns:r="http://schemas.openxmlformats.org/officeDocument/2006/relationships" xmlns:p="http://schemas.openxmlformats.org/presentationml/2006/main">
+  <p:cSld>
+    <p:bg>
+      <p:bgPr>
+        <a:solidFill>
+          <a:schemeClr val="bg1"/>
+        </a:solidFill>
+        <a:effectLst/>
+      </p:bgPr>
+    </p:bg>
+    <p:spTree>
+      <p:nvGrpSpPr>
+        <p:cNvPr id="1" name=""/>
+        <p:cNvGrpSpPr/>
+        <p:nvPr/>
+      </p:nvGrpSpPr>
+      <p:grpSpPr>
+        <a:xfrm>
+          <a:off x="0" y="0"/>
+          <a:ext cx="0" cy="0"/>
+          <a:chOff x="0" y="0"/>
+          <a:chExt cx="0" cy="0"/>
+        </a:xfrm>
+      </p:grpSpPr>
+      <p:sp>
+        <p:nvSpPr>
+          <p:cNvPr id="12" name="Freeform 6">
+            <a:extLst>
+              <a:ext uri="{FF2B5EF4-FFF2-40B4-BE49-F238E27FC236}">
+                <a16:creationId xmlns:a16="http://schemas.microsoft.com/office/drawing/2014/main" id="{69D184B2-2226-4E31-BCCB-444330767440}"/>
+              </a:ext>
+              <a:ext uri="{C183D7F6-B498-43B3-948B-1728B52AA6E4}">
+                <adec:decorative xmlns:adec="http://schemas.microsoft.com/office/drawing/2017/decorative" val="1"/>
+              </a:ext>
+            </a:extLst>
+          </p:cNvPr>
+          <p:cNvSpPr>
+            <a:spLocks noGrp="1" noRot="1" noChangeAspect="1" noMove="1" noResize="1" noEditPoints="1" noAdjustHandles="1" noChangeArrowheads="1" noChangeShapeType="1" noTextEdit="1"/>
+          </p:cNvSpPr>
+          <p:nvPr>
+            <p:extLst>
+              <p:ext uri="{386F3935-93C4-4BCD-93E2-E3B085C9AB24}">
+                <p16:designElem xmlns:p16="http://schemas.microsoft.com/office/powerpoint/2015/main" val="1"/>
+              </p:ext>
+            </p:extLst>
+          </p:nvPr>
+        </p:nvSpPr>
+        <p:spPr bwMode="auto">
+          <a:xfrm>
+            <a:off x="11118533" y="918266"/>
+            <a:ext cx="706127" cy="5863534"/>
+          </a:xfrm>
+          <a:custGeom>
+            <a:avLst/>
+            <a:gdLst>
+              <a:gd name="T0" fmla="*/ 414 w 414"/>
+              <a:gd name="T1" fmla="*/ 2447 h 2447"/>
+              <a:gd name="T2" fmla="*/ 0 w 414"/>
+              <a:gd name="T3" fmla="*/ 2247 h 2447"/>
+              <a:gd name="T4" fmla="*/ 0 w 414"/>
+              <a:gd name="T5" fmla="*/ 0 h 2447"/>
+              <a:gd name="T6" fmla="*/ 414 w 414"/>
+              <a:gd name="T7" fmla="*/ 200 h 2447"/>
+              <a:gd name="T8" fmla="*/ 414 w 414"/>
+              <a:gd name="T9" fmla="*/ 2447 h 2447"/>
+            </a:gdLst>
+            <a:ahLst/>
+            <a:cxnLst>
+              <a:cxn ang="0">
+                <a:pos x="T0" y="T1"/>
+              </a:cxn>
+              <a:cxn ang="0">
+                <a:pos x="T2" y="T3"/>
+              </a:cxn>
+              <a:cxn ang="0">
+                <a:pos x="T4" y="T5"/>
+              </a:cxn>
+              <a:cxn ang="0">
+                <a:pos x="T6" y="T7"/>
+              </a:cxn>
+              <a:cxn ang="0">
+                <a:pos x="T8" y="T9"/>
+              </a:cxn>
+            </a:cxnLst>
+            <a:rect l="0" t="0" r="r" b="b"/>
+            <a:pathLst>
+              <a:path w="414" h="2447">
+                <a:moveTo>
+                  <a:pt x="414" y="2447"/>
+                </a:moveTo>
+                <a:lnTo>
+                  <a:pt x="0" y="2247"/>
+                </a:lnTo>
+                <a:lnTo>
+                  <a:pt x="0" y="0"/>
+                </a:lnTo>
+                <a:lnTo>
+                  <a:pt x="414" y="200"/>
+                </a:lnTo>
+                <a:lnTo>
+                  <a:pt x="414" y="2447"/>
+                </a:lnTo>
+                <a:close/>
+              </a:path>
+            </a:pathLst>
+          </a:custGeom>
+          <a:solidFill>
+            <a:schemeClr val="accent1">
+              <a:lumMod val="75000"/>
+            </a:schemeClr>
+          </a:solidFill>
+          <a:ln>
+            <a:noFill/>
+          </a:ln>
+        </p:spPr>
+        <p:txBody>
+          <a:bodyPr vert="horz" wrap="square" lIns="91440" tIns="45720" rIns="91440" bIns="45720" numCol="1" anchor="t" anchorCtr="0" compatLnSpc="1">
+            <a:prstTxWarp prst="textNoShape">
+              <a:avLst/>
+            </a:prstTxWarp>
+          </a:bodyPr>
+          <a:lstStyle/>
+          <a:p>
+            <a:endParaRPr lang="en-US"/>
+          </a:p>
+        </p:txBody>
+      </p:sp>
+      <p:sp>
+        <p:nvSpPr>
+          <p:cNvPr id="14" name="Freeform 7">
+            <a:extLst>
+              <a:ext uri="{FF2B5EF4-FFF2-40B4-BE49-F238E27FC236}">
+                <a16:creationId xmlns:a16="http://schemas.microsoft.com/office/drawing/2014/main" id="{1AC4D4E3-486A-464A-8EC8-D44881097267}"/>
+              </a:ext>
+              <a:ext uri="{C183D7F6-B498-43B3-948B-1728B52AA6E4}">
+                <adec:decorative xmlns:adec="http://schemas.microsoft.com/office/drawing/2017/decorative" val="1"/>
+              </a:ext>
+            </a:extLst>
+          </p:cNvPr>
+          <p:cNvSpPr>
+            <a:spLocks noGrp="1" noRot="1" noChangeAspect="1" noMove="1" noResize="1" noEditPoints="1" noAdjustHandles="1" noChangeArrowheads="1" noChangeShapeType="1" noTextEdit="1"/>
+          </p:cNvSpPr>
+          <p:nvPr>
+            <p:extLst>
+              <p:ext uri="{386F3935-93C4-4BCD-93E2-E3B085C9AB24}">
+                <p16:designElem xmlns:p16="http://schemas.microsoft.com/office/powerpoint/2015/main" val="1"/>
+              </p:ext>
+            </p:extLst>
+          </p:nvPr>
+        </p:nvSpPr>
+        <p:spPr bwMode="auto">
+          <a:xfrm>
+            <a:off x="11117879" y="643467"/>
+            <a:ext cx="420307" cy="5668919"/>
+          </a:xfrm>
+          <a:custGeom>
+            <a:avLst/>
+            <a:gdLst>
+              <a:gd name="T0" fmla="*/ 209 w 209"/>
+              <a:gd name="T1" fmla="*/ 2246 h 2358"/>
+              <a:gd name="T2" fmla="*/ 0 w 209"/>
+              <a:gd name="T3" fmla="*/ 2358 h 2358"/>
+              <a:gd name="T4" fmla="*/ 0 w 209"/>
+              <a:gd name="T5" fmla="*/ 111 h 2358"/>
+              <a:gd name="T6" fmla="*/ 209 w 209"/>
+              <a:gd name="T7" fmla="*/ 0 h 2358"/>
+              <a:gd name="T8" fmla="*/ 209 w 209"/>
+              <a:gd name="T9" fmla="*/ 2246 h 2358"/>
+            </a:gdLst>
+            <a:ahLst/>
+            <a:cxnLst>
+              <a:cxn ang="0">
+                <a:pos x="T0" y="T1"/>
+              </a:cxn>
+              <a:cxn ang="0">
+                <a:pos x="T2" y="T3"/>
+              </a:cxn>
+              <a:cxn ang="0">
+                <a:pos x="T4" y="T5"/>
+              </a:cxn>
+              <a:cxn ang="0">
+                <a:pos x="T6" y="T7"/>
+              </a:cxn>
+              <a:cxn ang="0">
+                <a:pos x="T8" y="T9"/>
+              </a:cxn>
+            </a:cxnLst>
+            <a:rect l="0" t="0" r="r" b="b"/>
+            <a:pathLst>
+              <a:path w="209" h="2358">
+                <a:moveTo>
+                  <a:pt x="209" y="2246"/>
+                </a:moveTo>
+                <a:lnTo>
+                  <a:pt x="0" y="2358"/>
+                </a:lnTo>
+                <a:lnTo>
+                  <a:pt x="0" y="111"/>
+                </a:lnTo>
+                <a:lnTo>
+                  <a:pt x="209" y="0"/>
+                </a:lnTo>
+                <a:lnTo>
+                  <a:pt x="209" y="2246"/>
+                </a:lnTo>
+                <a:close/>
+              </a:path>
+            </a:pathLst>
+          </a:custGeom>
+          <a:solidFill>
+            <a:schemeClr val="accent1">
+              <a:lumMod val="50000"/>
+            </a:schemeClr>
+          </a:solidFill>
+          <a:ln>
+            <a:noFill/>
+          </a:ln>
+        </p:spPr>
+        <p:txBody>
+          <a:bodyPr vert="horz" wrap="square" lIns="91440" tIns="45720" rIns="91440" bIns="45720" numCol="1" anchor="t" anchorCtr="0" compatLnSpc="1">
+            <a:prstTxWarp prst="textNoShape">
+              <a:avLst/>
+            </a:prstTxWarp>
+          </a:bodyPr>
+          <a:lstStyle/>
+          <a:p>
+            <a:endParaRPr lang="en-US"/>
+          </a:p>
+        </p:txBody>
+      </p:sp>
+      <p:sp>
+        <p:nvSpPr>
+          <p:cNvPr id="16" name="Rectangle 15">
+            <a:extLst>
+              <a:ext uri="{FF2B5EF4-FFF2-40B4-BE49-F238E27FC236}">
+                <a16:creationId xmlns:a16="http://schemas.microsoft.com/office/drawing/2014/main" id="{864DE13E-58EB-4475-B79C-0D4FC651239B}"/>
+              </a:ext>
+              <a:ext uri="{C183D7F6-B498-43B3-948B-1728B52AA6E4}">
+                <adec:decorative xmlns:adec="http://schemas.microsoft.com/office/drawing/2017/decorative" val="1"/>
+              </a:ext>
+            </a:extLst>
+          </p:cNvPr>
+          <p:cNvSpPr>
+            <a:spLocks noGrp="1" noRot="1" noChangeAspect="1" noMove="1" noResize="1" noEditPoints="1" noAdjustHandles="1" noChangeArrowheads="1" noChangeShapeType="1" noTextEdit="1"/>
+          </p:cNvSpPr>
+          <p:nvPr>
+            <p:extLst>
+              <p:ext uri="{386F3935-93C4-4BCD-93E2-E3B085C9AB24}">
+                <p16:designElem xmlns:p16="http://schemas.microsoft.com/office/powerpoint/2015/main" val="1"/>
+              </p:ext>
+            </p:extLst>
+          </p:nvPr>
+        </p:nvSpPr>
+        <p:spPr bwMode="auto">
+          <a:xfrm>
+            <a:off x="638387" y="643467"/>
+            <a:ext cx="10933503" cy="5391944"/>
+          </a:xfrm>
+          <a:prstGeom prst="rect">
+            <a:avLst/>
+          </a:prstGeom>
+          <a:solidFill>
+            <a:srgbClr val="FFFFFF"/>
+          </a:solidFill>
+          <a:ln w="12700">
+            <a:solidFill>
+              <a:schemeClr val="accent1"/>
+            </a:solidFill>
+            <a:miter lim="800000"/>
+          </a:ln>
+        </p:spPr>
+        <p:txBody>
+          <a:bodyPr vert="horz" wrap="square" lIns="91440" tIns="45720" rIns="91440" bIns="45720" numCol="1" anchor="t" anchorCtr="0" compatLnSpc="1">
+            <a:prstTxWarp prst="textNoShape">
+              <a:avLst/>
+            </a:prstTxWarp>
+          </a:bodyPr>
+          <a:lstStyle/>
+          <a:p>
+            <a:endParaRPr lang="en-US"/>
+          </a:p>
+        </p:txBody>
+      </p:sp>
+      <p:pic>
+        <p:nvPicPr>
+          <p:cNvPr id="5" name="图片 4">
+            <a:extLst>
+              <a:ext uri="{FF2B5EF4-FFF2-40B4-BE49-F238E27FC236}">
+                <a16:creationId xmlns:a16="http://schemas.microsoft.com/office/drawing/2014/main" id="{B625ECD6-6CDA-3B41-8FDE-3BDB4F47DED1}"/>
+              </a:ext>
+            </a:extLst>
+          </p:cNvPr>
+          <p:cNvPicPr>
+            <a:picLocks noChangeAspect="1"/>
+          </p:cNvPicPr>
+          <p:nvPr/>
+        </p:nvPicPr>
+        <p:blipFill>
+          <a:blip r:embed="rId3"/>
+          <a:stretch>
+            <a:fillRect/>
+          </a:stretch>
+        </p:blipFill>
+        <p:spPr>
+          <a:xfrm>
+            <a:off x="1140934" y="1994903"/>
+            <a:ext cx="4616434" cy="2689072"/>
+          </a:xfrm>
+          <a:prstGeom prst="rect">
+            <a:avLst/>
+          </a:prstGeom>
+        </p:spPr>
+      </p:pic>
+      <p:cxnSp>
+        <p:nvCxnSpPr>
+          <p:cNvPr id="22" name="Straight Connector 17">
+            <a:extLst>
+              <a:ext uri="{FF2B5EF4-FFF2-40B4-BE49-F238E27FC236}">
+                <a16:creationId xmlns:a16="http://schemas.microsoft.com/office/drawing/2014/main" id="{02E9B2EE-76CA-47F3-9977-3F2FCB7FD252}"/>
+              </a:ext>
+              <a:ext uri="{C183D7F6-B498-43B3-948B-1728B52AA6E4}">
+                <adec:decorative xmlns:adec="http://schemas.microsoft.com/office/drawing/2017/decorative" val="1"/>
+              </a:ext>
+            </a:extLst>
+          </p:cNvPr>
+          <p:cNvCxnSpPr>
+            <a:cxnSpLocks noGrp="1" noRot="1" noChangeAspect="1" noMove="1" noResize="1" noEditPoints="1" noAdjustHandles="1" noChangeArrowheads="1" noChangeShapeType="1"/>
+          </p:cNvCxnSpPr>
+          <p:nvPr>
+            <p:extLst>
+              <p:ext uri="{386F3935-93C4-4BCD-93E2-E3B085C9AB24}">
+                <p16:designElem xmlns:p16="http://schemas.microsoft.com/office/powerpoint/2015/main" val="1"/>
+              </p:ext>
+            </p:extLst>
+          </p:nvPr>
+        </p:nvCxnSpPr>
+        <p:spPr>
+          <a:xfrm>
+            <a:off x="6096000" y="1739239"/>
+            <a:ext cx="0" cy="3200400"/>
+          </a:xfrm>
+          <a:prstGeom prst="line">
+            <a:avLst/>
+          </a:prstGeom>
+          <a:ln w="12700">
+            <a:solidFill>
+              <a:schemeClr val="accent1"/>
+            </a:solidFill>
+          </a:ln>
+        </p:spPr>
+        <p:style>
+          <a:lnRef idx="1">
+            <a:schemeClr val="accent1"/>
+          </a:lnRef>
+          <a:fillRef idx="0">
+            <a:schemeClr val="accent1"/>
+          </a:fillRef>
+          <a:effectRef idx="0">
+            <a:schemeClr val="accent1"/>
+          </a:effectRef>
+          <a:fontRef idx="minor">
+            <a:schemeClr val="tx1"/>
+          </a:fontRef>
+        </p:style>
+      </p:cxnSp>
+      <p:pic>
+        <p:nvPicPr>
+          <p:cNvPr id="7" name="图片 6">
+            <a:extLst>
+              <a:ext uri="{FF2B5EF4-FFF2-40B4-BE49-F238E27FC236}">
+                <a16:creationId xmlns:a16="http://schemas.microsoft.com/office/drawing/2014/main" id="{E32AB4E2-CEF0-9642-87F2-55B3932A6089}"/>
+              </a:ext>
+            </a:extLst>
+          </p:cNvPr>
+          <p:cNvPicPr>
+            <a:picLocks noChangeAspect="1"/>
+          </p:cNvPicPr>
+          <p:nvPr/>
+        </p:nvPicPr>
+        <p:blipFill>
+          <a:blip r:embed="rId4"/>
+          <a:stretch>
+            <a:fillRect/>
+          </a:stretch>
+        </p:blipFill>
+        <p:spPr>
+          <a:xfrm>
+            <a:off x="6434633" y="2764679"/>
+            <a:ext cx="4644528" cy="1149519"/>
+          </a:xfrm>
+          <a:prstGeom prst="rect">
+            <a:avLst/>
+          </a:prstGeom>
+        </p:spPr>
+      </p:pic>
+      <p:sp>
+        <p:nvSpPr>
+          <p:cNvPr id="4" name="矩形 3">
+            <a:extLst>
+              <a:ext uri="{FF2B5EF4-FFF2-40B4-BE49-F238E27FC236}">
+                <a16:creationId xmlns:a16="http://schemas.microsoft.com/office/drawing/2014/main" id="{D30BBDA0-6F13-E242-96A7-367677A49727}"/>
+              </a:ext>
+            </a:extLst>
+          </p:cNvPr>
+          <p:cNvSpPr/>
+          <p:nvPr/>
+        </p:nvSpPr>
+        <p:spPr>
+          <a:xfrm>
+            <a:off x="0" y="0"/>
+            <a:ext cx="1755609" cy="369332"/>
+          </a:xfrm>
+          <a:prstGeom prst="rect">
+            <a:avLst/>
+          </a:prstGeom>
+        </p:spPr>
+        <p:txBody>
+          <a:bodyPr wrap="none">
+            <a:spAutoFit/>
+          </a:bodyPr>
+          <a:lstStyle/>
+          <a:p>
+            <a:pPr>
+              <a:spcAft>
+                <a:spcPts val="600"/>
+              </a:spcAft>
+            </a:pPr>
+            <a:r>
+              <a:rPr lang="zh-CN" altLang="en-US"/>
+              <a:t>Java的异常体系</a:t>
+            </a:r>
+          </a:p>
+        </p:txBody>
+      </p:sp>
+    </p:spTree>
+    <p:extLst>
+      <p:ext uri="{BB962C8B-B14F-4D97-AF65-F5344CB8AC3E}">
+        <p14:creationId xmlns:p14="http://schemas.microsoft.com/office/powerpoint/2010/main" val="3537908701"/>
+      </p:ext>
+    </p:extLst>
+  </p:cSld>
+  <p:clrMapOvr>
+    <a:masterClrMapping/>
+  </p:clrMapOvr>
+</p:sld>
+</file>
+
+<file path=ppt/slides/slide9.xml><?xml version="1.0" encoding="utf-8"?>
+<p:sld xmlns:a="http://schemas.openxmlformats.org/drawingml/2006/main" xmlns:r="http://schemas.openxmlformats.org/officeDocument/2006/relationships" xmlns:p="http://schemas.openxmlformats.org/presentationml/2006/main">
+  <p:cSld>
+    <p:spTree>
+      <p:nvGrpSpPr>
+        <p:cNvPr id="1" name=""/>
+        <p:cNvGrpSpPr/>
+        <p:nvPr/>
+      </p:nvGrpSpPr>
+      <p:grpSpPr>
+        <a:xfrm>
+          <a:off x="0" y="0"/>
+          <a:ext cx="0" cy="0"/>
+          <a:chOff x="0" y="0"/>
+          <a:chExt cx="0" cy="0"/>
+        </a:xfrm>
+      </p:grpSpPr>
+      <p:pic>
+        <p:nvPicPr>
+          <p:cNvPr id="4" name="图片 3">
+            <a:extLst>
+              <a:ext uri="{FF2B5EF4-FFF2-40B4-BE49-F238E27FC236}">
+                <a16:creationId xmlns:a16="http://schemas.microsoft.com/office/drawing/2014/main" id="{B1DA68A3-6F96-AB46-8459-DE965690E182}"/>
+              </a:ext>
+            </a:extLst>
+          </p:cNvPr>
+          <p:cNvPicPr>
+            <a:picLocks noChangeAspect="1"/>
+          </p:cNvPicPr>
+          <p:nvPr/>
+        </p:nvPicPr>
+        <p:blipFill>
+          <a:blip r:embed="rId2"/>
+          <a:stretch>
+            <a:fillRect/>
+          </a:stretch>
+        </p:blipFill>
+        <p:spPr>
+          <a:xfrm>
+            <a:off x="0" y="1168400"/>
+            <a:ext cx="4787900" cy="5689600"/>
+          </a:xfrm>
+          <a:prstGeom prst="rect">
+            <a:avLst/>
+          </a:prstGeom>
+        </p:spPr>
+      </p:pic>
+      <p:sp>
+        <p:nvSpPr>
+          <p:cNvPr id="5" name="矩形 4">
+            <a:extLst>
+              <a:ext uri="{FF2B5EF4-FFF2-40B4-BE49-F238E27FC236}">
+                <a16:creationId xmlns:a16="http://schemas.microsoft.com/office/drawing/2014/main" id="{0CCF25F3-262F-DF4E-AC0F-FE085071CC84}"/>
+              </a:ext>
+            </a:extLst>
+          </p:cNvPr>
+          <p:cNvSpPr/>
+          <p:nvPr/>
+        </p:nvSpPr>
+        <p:spPr>
+          <a:xfrm>
+            <a:off x="0" y="0"/>
+            <a:ext cx="2031325" cy="369332"/>
+          </a:xfrm>
+          <a:prstGeom prst="rect">
+            <a:avLst/>
+          </a:prstGeom>
+        </p:spPr>
+        <p:txBody>
+          <a:bodyPr wrap="none">
+            <a:spAutoFit/>
+          </a:bodyPr>
+          <a:lstStyle/>
+          <a:p>
+            <a:r>
+              <a:rPr lang="zh-CN" altLang="en-US" dirty="0"/>
+              <a:t>手写链表逆序代码</a:t>
+            </a:r>
+          </a:p>
+        </p:txBody>
+      </p:sp>
+      <p:pic>
+        <p:nvPicPr>
+          <p:cNvPr id="6" name="图片 5">
+            <a:extLst>
+              <a:ext uri="{FF2B5EF4-FFF2-40B4-BE49-F238E27FC236}">
+                <a16:creationId xmlns:a16="http://schemas.microsoft.com/office/drawing/2014/main" id="{9868759B-5794-5549-B94C-1864D9C261F0}"/>
+              </a:ext>
+            </a:extLst>
+          </p:cNvPr>
+          <p:cNvPicPr>
+            <a:picLocks noChangeAspect="1"/>
+          </p:cNvPicPr>
+          <p:nvPr/>
+        </p:nvPicPr>
+        <p:blipFill>
+          <a:blip r:embed="rId3"/>
+          <a:stretch>
+            <a:fillRect/>
+          </a:stretch>
+        </p:blipFill>
+        <p:spPr>
+          <a:xfrm>
+            <a:off x="5051371" y="2047068"/>
+            <a:ext cx="4445000" cy="2032000"/>
+          </a:xfrm>
+          <a:prstGeom prst="rect">
+            <a:avLst/>
+          </a:prstGeom>
+        </p:spPr>
+      </p:pic>
+    </p:spTree>
+    <p:extLst>
+      <p:ext uri="{BB962C8B-B14F-4D97-AF65-F5344CB8AC3E}">
+        <p14:creationId xmlns:p14="http://schemas.microsoft.com/office/powerpoint/2010/main" val="2121698177"/>
       </p:ext>
     </p:extLst>
   </p:cSld>
@@ -4085,4 +6955,299 @@
     </a:ext>
   </a:extLst>
 </a:theme>
+</file>
+
+<file path=ppt/theme/theme2.xml><?xml version="1.0" encoding="utf-8"?>
+<a:theme xmlns:a="http://schemas.openxmlformats.org/drawingml/2006/main" name="Office 主题​​">
+  <a:themeElements>
+    <a:clrScheme name="Office">
+      <a:dk1>
+        <a:sysClr val="windowText" lastClr="000000"/>
+      </a:dk1>
+      <a:lt1>
+        <a:sysClr val="window" lastClr="FFFFFF"/>
+      </a:lt1>
+      <a:dk2>
+        <a:srgbClr val="44546A"/>
+      </a:dk2>
+      <a:lt2>
+        <a:srgbClr val="E7E6E6"/>
+      </a:lt2>
+      <a:accent1>
+        <a:srgbClr val="4472C4"/>
+      </a:accent1>
+      <a:accent2>
+        <a:srgbClr val="ED7D31"/>
+      </a:accent2>
+      <a:accent3>
+        <a:srgbClr val="A5A5A5"/>
+      </a:accent3>
+      <a:accent4>
+        <a:srgbClr val="FFC000"/>
+      </a:accent4>
+      <a:accent5>
+        <a:srgbClr val="5B9BD5"/>
+      </a:accent5>
+      <a:accent6>
+        <a:srgbClr val="70AD47"/>
+      </a:accent6>
+      <a:hlink>
+        <a:srgbClr val="0563C1"/>
+      </a:hlink>
+      <a:folHlink>
+        <a:srgbClr val="954F72"/>
+      </a:folHlink>
+    </a:clrScheme>
+    <a:fontScheme name="Office">
+      <a:majorFont>
+        <a:latin typeface="等线 Light" panose="020F0302020204030204"/>
+        <a:ea typeface=""/>
+        <a:cs typeface=""/>
+        <a:font script="Jpan" typeface="游ゴシック Light"/>
+        <a:font script="Hang" typeface="맑은 고딕"/>
+        <a:font script="Hans" typeface="等线 Light"/>
+        <a:font script="Hant" typeface="新細明體"/>
+        <a:font script="Arab" typeface="Times New Roman"/>
+        <a:font script="Hebr" typeface="Times New Roman"/>
+        <a:font script="Thai" typeface="Angsana New"/>
+        <a:font script="Ethi" typeface="Nyala"/>
+        <a:font script="Beng" typeface="Vrinda"/>
+        <a:font script="Gujr" typeface="Shruti"/>
+        <a:font script="Khmr" typeface="MoolBoran"/>
+        <a:font script="Knda" typeface="Tunga"/>
+        <a:font script="Guru" typeface="Raavi"/>
+        <a:font script="Cans" typeface="Euphemia"/>
+        <a:font script="Cher" typeface="Plantagenet Cherokee"/>
+        <a:font script="Yiii" typeface="Microsoft Yi Baiti"/>
+        <a:font script="Tibt" typeface="Microsoft Himalaya"/>
+        <a:font script="Thaa" typeface="MV Boli"/>
+        <a:font script="Deva" typeface="Mangal"/>
+        <a:font script="Telu" typeface="Gautami"/>
+        <a:font script="Taml" typeface="Latha"/>
+        <a:font script="Syrc" typeface="Estrangelo Edessa"/>
+        <a:font script="Orya" typeface="Kalinga"/>
+        <a:font script="Mlym" typeface="Kartika"/>
+        <a:font script="Laoo" typeface="DokChampa"/>
+        <a:font script="Sinh" typeface="Iskoola Pota"/>
+        <a:font script="Mong" typeface="Mongolian Baiti"/>
+        <a:font script="Viet" typeface="Times New Roman"/>
+        <a:font script="Uigh" typeface="Microsoft Uighur"/>
+        <a:font script="Geor" typeface="Sylfaen"/>
+        <a:font script="Armn" typeface="Arial"/>
+        <a:font script="Bugi" typeface="Leelawadee UI"/>
+        <a:font script="Bopo" typeface="Microsoft JhengHei"/>
+        <a:font script="Java" typeface="Javanese Text"/>
+        <a:font script="Lisu" typeface="Segoe UI"/>
+        <a:font script="Mymr" typeface="Myanmar Text"/>
+        <a:font script="Nkoo" typeface="Ebrima"/>
+        <a:font script="Olck" typeface="Nirmala UI"/>
+        <a:font script="Osma" typeface="Ebrima"/>
+        <a:font script="Phag" typeface="Phagspa"/>
+        <a:font script="Syrn" typeface="Estrangelo Edessa"/>
+        <a:font script="Syrj" typeface="Estrangelo Edessa"/>
+        <a:font script="Syre" typeface="Estrangelo Edessa"/>
+        <a:font script="Sora" typeface="Nirmala UI"/>
+        <a:font script="Tale" typeface="Microsoft Tai Le"/>
+        <a:font script="Talu" typeface="Microsoft New Tai Lue"/>
+        <a:font script="Tfng" typeface="Ebrima"/>
+      </a:majorFont>
+      <a:minorFont>
+        <a:latin typeface="等线" panose="020F0502020204030204"/>
+        <a:ea typeface=""/>
+        <a:cs typeface=""/>
+        <a:font script="Jpan" typeface="游ゴシック"/>
+        <a:font script="Hang" typeface="맑은 고딕"/>
+        <a:font script="Hans" typeface="等线"/>
+        <a:font script="Hant" typeface="新細明體"/>
+        <a:font script="Arab" typeface="Arial"/>
+        <a:font script="Hebr" typeface="Arial"/>
+        <a:font script="Thai" typeface="Cordia New"/>
+        <a:font script="Ethi" typeface="Nyala"/>
+        <a:font script="Beng" typeface="Vrinda"/>
+        <a:font script="Gujr" typeface="Shruti"/>
+        <a:font script="Khmr" typeface="DaunPenh"/>
+        <a:font script="Knda" typeface="Tunga"/>
+        <a:font script="Guru" typeface="Raavi"/>
+        <a:font script="Cans" typeface="Euphemia"/>
+        <a:font script="Cher" typeface="Plantagenet Cherokee"/>
+        <a:font script="Yiii" typeface="Microsoft Yi Baiti"/>
+        <a:font script="Tibt" typeface="Microsoft Himalaya"/>
+        <a:font script="Thaa" typeface="MV Boli"/>
+        <a:font script="Deva" typeface="Mangal"/>
+        <a:font script="Telu" typeface="Gautami"/>
+        <a:font script="Taml" typeface="Latha"/>
+        <a:font script="Syrc" typeface="Estrangelo Edessa"/>
+        <a:font script="Orya" typeface="Kalinga"/>
+        <a:font script="Mlym" typeface="Kartika"/>
+        <a:font script="Laoo" typeface="DokChampa"/>
+        <a:font script="Sinh" typeface="Iskoola Pota"/>
+        <a:font script="Mong" typeface="Mongolian Baiti"/>
+        <a:font script="Viet" typeface="Arial"/>
+        <a:font script="Uigh" typeface="Microsoft Uighur"/>
+        <a:font script="Geor" typeface="Sylfaen"/>
+        <a:font script="Armn" typeface="Arial"/>
+        <a:font script="Bugi" typeface="Leelawadee UI"/>
+        <a:font script="Bopo" typeface="Microsoft JhengHei"/>
+        <a:font script="Java" typeface="Javanese Text"/>
+        <a:font script="Lisu" typeface="Segoe UI"/>
+        <a:font script="Mymr" typeface="Myanmar Text"/>
+        <a:font script="Nkoo" typeface="Ebrima"/>
+        <a:font script="Olck" typeface="Nirmala UI"/>
+        <a:font script="Osma" typeface="Ebrima"/>
+        <a:font script="Phag" typeface="Phagspa"/>
+        <a:font script="Syrn" typeface="Estrangelo Edessa"/>
+        <a:font script="Syrj" typeface="Estrangelo Edessa"/>
+        <a:font script="Syre" typeface="Estrangelo Edessa"/>
+        <a:font script="Sora" typeface="Nirmala UI"/>
+        <a:font script="Tale" typeface="Microsoft Tai Le"/>
+        <a:font script="Talu" typeface="Microsoft New Tai Lue"/>
+        <a:font script="Tfng" typeface="Ebrima"/>
+      </a:minorFont>
+    </a:fontScheme>
+    <a:fmtScheme name="Office">
+      <a:fillStyleLst>
+        <a:solidFill>
+          <a:schemeClr val="phClr"/>
+        </a:solidFill>
+        <a:gradFill rotWithShape="1">
+          <a:gsLst>
+            <a:gs pos="0">
+              <a:schemeClr val="phClr">
+                <a:lumMod val="110000"/>
+                <a:satMod val="105000"/>
+                <a:tint val="67000"/>
+              </a:schemeClr>
+            </a:gs>
+            <a:gs pos="50000">
+              <a:schemeClr val="phClr">
+                <a:lumMod val="105000"/>
+                <a:satMod val="103000"/>
+                <a:tint val="73000"/>
+              </a:schemeClr>
+            </a:gs>
+            <a:gs pos="100000">
+              <a:schemeClr val="phClr">
+                <a:lumMod val="105000"/>
+                <a:satMod val="109000"/>
+                <a:tint val="81000"/>
+              </a:schemeClr>
+            </a:gs>
+          </a:gsLst>
+          <a:lin ang="5400000" scaled="0"/>
+        </a:gradFill>
+        <a:gradFill rotWithShape="1">
+          <a:gsLst>
+            <a:gs pos="0">
+              <a:schemeClr val="phClr">
+                <a:satMod val="103000"/>
+                <a:lumMod val="102000"/>
+                <a:tint val="94000"/>
+              </a:schemeClr>
+            </a:gs>
+            <a:gs pos="50000">
+              <a:schemeClr val="phClr">
+                <a:satMod val="110000"/>
+                <a:lumMod val="100000"/>
+                <a:shade val="100000"/>
+              </a:schemeClr>
+            </a:gs>
+            <a:gs pos="100000">
+              <a:schemeClr val="phClr">
+                <a:lumMod val="99000"/>
+                <a:satMod val="120000"/>
+                <a:shade val="78000"/>
+              </a:schemeClr>
+            </a:gs>
+          </a:gsLst>
+          <a:lin ang="5400000" scaled="0"/>
+        </a:gradFill>
+      </a:fillStyleLst>
+      <a:lnStyleLst>
+        <a:ln w="6350" cap="flat" cmpd="sng" algn="ctr">
+          <a:solidFill>
+            <a:schemeClr val="phClr"/>
+          </a:solidFill>
+          <a:prstDash val="solid"/>
+          <a:miter lim="800000"/>
+        </a:ln>
+        <a:ln w="12700" cap="flat" cmpd="sng" algn="ctr">
+          <a:solidFill>
+            <a:schemeClr val="phClr"/>
+          </a:solidFill>
+          <a:prstDash val="solid"/>
+          <a:miter lim="800000"/>
+        </a:ln>
+        <a:ln w="19050" cap="flat" cmpd="sng" algn="ctr">
+          <a:solidFill>
+            <a:schemeClr val="phClr"/>
+          </a:solidFill>
+          <a:prstDash val="solid"/>
+          <a:miter lim="800000"/>
+        </a:ln>
+      </a:lnStyleLst>
+      <a:effectStyleLst>
+        <a:effectStyle>
+          <a:effectLst/>
+        </a:effectStyle>
+        <a:effectStyle>
+          <a:effectLst/>
+        </a:effectStyle>
+        <a:effectStyle>
+          <a:effectLst>
+            <a:outerShdw blurRad="57150" dist="19050" dir="5400000" algn="ctr" rotWithShape="0">
+              <a:srgbClr val="000000">
+                <a:alpha val="63000"/>
+              </a:srgbClr>
+            </a:outerShdw>
+          </a:effectLst>
+        </a:effectStyle>
+      </a:effectStyleLst>
+      <a:bgFillStyleLst>
+        <a:solidFill>
+          <a:schemeClr val="phClr"/>
+        </a:solidFill>
+        <a:solidFill>
+          <a:schemeClr val="phClr">
+            <a:tint val="95000"/>
+            <a:satMod val="170000"/>
+          </a:schemeClr>
+        </a:solidFill>
+        <a:gradFill rotWithShape="1">
+          <a:gsLst>
+            <a:gs pos="0">
+              <a:schemeClr val="phClr">
+                <a:tint val="93000"/>
+                <a:satMod val="150000"/>
+                <a:shade val="98000"/>
+                <a:lumMod val="102000"/>
+              </a:schemeClr>
+            </a:gs>
+            <a:gs pos="50000">
+              <a:schemeClr val="phClr">
+                <a:tint val="98000"/>
+                <a:satMod val="130000"/>
+                <a:shade val="90000"/>
+                <a:lumMod val="103000"/>
+              </a:schemeClr>
+            </a:gs>
+            <a:gs pos="100000">
+              <a:schemeClr val="phClr">
+                <a:shade val="63000"/>
+                <a:satMod val="120000"/>
+              </a:schemeClr>
+            </a:gs>
+          </a:gsLst>
+          <a:lin ang="5400000" scaled="0"/>
+        </a:gradFill>
+      </a:bgFillStyleLst>
+    </a:fmtScheme>
+  </a:themeElements>
+  <a:objectDefaults/>
+  <a:extraClrSchemeLst/>
+  <a:extLst>
+    <a:ext uri="{05A4C25C-085E-4340-85A3-A5531E510DB2}">
+      <thm15:themeFamily xmlns:thm15="http://schemas.microsoft.com/office/thememl/2012/main" name="Office Theme" id="{62F939B6-93AF-4DB8-9C6B-D6C7DFDC589F}" vid="{4A3C46E8-61CC-4603-A589-7422A47A8E4A}"/>
+    </a:ext>
+  </a:extLst>
+</a:theme>
 </file>